--- a/Notes/summer20/summerPresentation13.pptx
+++ b/Notes/summer20/summerPresentation13.pptx
@@ -12,6 +12,7 @@
     <p:sldId id="261" r:id="rId6"/>
     <p:sldId id="260" r:id="rId7"/>
     <p:sldId id="262" r:id="rId8"/>
+    <p:sldId id="263" r:id="rId9"/>
   </p:sldIdLst>
   <p:sldSz cx="12192000" cy="6858000"/>
   <p:notesSz cx="6858000" cy="9144000"/>
@@ -2654,6 +2655,7 @@
         <a:bodyPr/>
         <a:lstStyle/>
         <a:p>
+          <a:pPr rtl="1"/>
           <a:endParaRPr lang="en-US"/>
         </a:p>
       </dgm:t>
@@ -2679,7 +2681,7 @@
           <a:pPr rtl="0"/>
           <a:r>
             <a:rPr lang="en-US" dirty="0"/>
-            <a:t>Thresholds</a:t>
+            <a:t>Thresholds1</a:t>
           </a:r>
         </a:p>
       </dgm:t>
@@ -2878,19 +2880,19 @@
       <dgm:prSet presAssocID="{12C46BD0-989D-164D-9D4C-C0ECA1CE18B5}" presName="level3hierChild" presStyleCnt="0"/>
       <dgm:spPr/>
     </dgm:pt>
-    <dgm:pt modelId="{7C438662-7400-8A49-BFE0-80451B3E891E}" type="pres">
+    <dgm:pt modelId="{EB4CAE6E-49F7-B740-AF48-14312E5304B4}" type="pres">
       <dgm:prSet presAssocID="{296D0192-6A8D-554C-A2B9-96C431C40793}" presName="conn2-1" presStyleLbl="parChTrans1D2" presStyleIdx="1" presStyleCnt="3"/>
       <dgm:spPr/>
     </dgm:pt>
-    <dgm:pt modelId="{D243CE42-788A-B14C-9EB4-1D2A6BA17C56}" type="pres">
+    <dgm:pt modelId="{5FD82044-5DA0-5C4D-B5AD-20FF03A81A4B}" type="pres">
       <dgm:prSet presAssocID="{296D0192-6A8D-554C-A2B9-96C431C40793}" presName="connTx" presStyleLbl="parChTrans1D2" presStyleIdx="1" presStyleCnt="3"/>
       <dgm:spPr/>
     </dgm:pt>
-    <dgm:pt modelId="{FBD0A488-B549-2F47-B947-437CF74D828F}" type="pres">
+    <dgm:pt modelId="{3D9C6A65-BB6B-2445-A251-8D8217CAE47D}" type="pres">
       <dgm:prSet presAssocID="{8CD556E9-8A15-4145-BD17-64BA05DE8734}" presName="root2" presStyleCnt="0"/>
       <dgm:spPr/>
     </dgm:pt>
-    <dgm:pt modelId="{1BC4A7F7-105B-6342-815E-DE23F187BE5F}" type="pres">
+    <dgm:pt modelId="{089B2787-6D98-C74B-B631-7F2C5F8479B2}" type="pres">
       <dgm:prSet presAssocID="{8CD556E9-8A15-4145-BD17-64BA05DE8734}" presName="LevelTwoTextNode" presStyleLbl="node2" presStyleIdx="1" presStyleCnt="3">
         <dgm:presLayoutVars>
           <dgm:chPref val="3"/>
@@ -2898,7 +2900,7 @@
       </dgm:prSet>
       <dgm:spPr/>
     </dgm:pt>
-    <dgm:pt modelId="{52CF8AC6-8330-3049-98EB-F2D03ECF18F0}" type="pres">
+    <dgm:pt modelId="{E52C93B3-EEC6-FE4F-A43A-3438E637173C}" type="pres">
       <dgm:prSet presAssocID="{8CD556E9-8A15-4145-BD17-64BA05DE8734}" presName="level3hierChild" presStyleCnt="0"/>
       <dgm:spPr/>
     </dgm:pt>
@@ -2932,8 +2934,8 @@
     <dgm:cxn modelId="{DA32C025-79E9-AF43-8893-EDAC5AB40555}" type="presOf" srcId="{6ECC962F-E63C-744F-84DD-4539875AAA0E}" destId="{DF41E6F6-F6A9-5448-9AF3-159C33A8D1EC}" srcOrd="0" destOrd="0" presId="urn:microsoft.com/office/officeart/2008/layout/HorizontalMultiLevelHierarchy"/>
     <dgm:cxn modelId="{19F4882C-267A-3941-BBF1-633820001007}" type="presOf" srcId="{45CF5948-EAD5-C649-BF50-32BA0FA81F0B}" destId="{6789B669-C2B8-6E47-B0A8-F3D670A00CCA}" srcOrd="1" destOrd="0" presId="urn:microsoft.com/office/officeart/2008/layout/HorizontalMultiLevelHierarchy"/>
     <dgm:cxn modelId="{FAE7492F-C9E6-DB45-B600-FDFF48B10BC0}" type="presOf" srcId="{FE83FF56-DE30-5C42-BCB6-835DD3C4D10E}" destId="{6DFC8F44-E535-684E-A3C3-FC47EFEBB159}" srcOrd="0" destOrd="0" presId="urn:microsoft.com/office/officeart/2008/layout/HorizontalMultiLevelHierarchy"/>
-    <dgm:cxn modelId="{1473373E-EF13-6541-B94E-B241F82D1A10}" type="presOf" srcId="{8CD556E9-8A15-4145-BD17-64BA05DE8734}" destId="{1BC4A7F7-105B-6342-815E-DE23F187BE5F}" srcOrd="0" destOrd="0" presId="urn:microsoft.com/office/officeart/2008/layout/HorizontalMultiLevelHierarchy"/>
     <dgm:cxn modelId="{0D062140-33C0-7649-9BCA-5BACA4684BD3}" type="presOf" srcId="{01F09C76-2BB9-C241-BFB4-DA11AB2FE3EE}" destId="{E2C76D27-E946-964C-8197-A43DBC891473}" srcOrd="0" destOrd="0" presId="urn:microsoft.com/office/officeart/2008/layout/HorizontalMultiLevelHierarchy"/>
+    <dgm:cxn modelId="{B9CE3453-5207-5F4C-BA1B-294476814646}" type="presOf" srcId="{8CD556E9-8A15-4145-BD17-64BA05DE8734}" destId="{089B2787-6D98-C74B-B631-7F2C5F8479B2}" srcOrd="0" destOrd="0" presId="urn:microsoft.com/office/officeart/2008/layout/HorizontalMultiLevelHierarchy"/>
     <dgm:cxn modelId="{C5684454-5ECB-1A4F-B12A-7793C1447A5A}" type="presOf" srcId="{B2C9C59B-FA3C-1941-B55B-8A5E2BA14A0C}" destId="{1587489F-70FB-A347-959E-E2F90A335C64}" srcOrd="0" destOrd="0" presId="urn:microsoft.com/office/officeart/2008/layout/HorizontalMultiLevelHierarchy"/>
     <dgm:cxn modelId="{6A5FD056-25F9-CB4C-9798-19C6A095E53B}" srcId="{71A01A49-D308-AB4B-8742-8B855F4855A4}" destId="{01F09C76-2BB9-C241-BFB4-DA11AB2FE3EE}" srcOrd="0" destOrd="0" parTransId="{45CF5948-EAD5-C649-BF50-32BA0FA81F0B}" sibTransId="{7CEA0B42-112F-9043-9BCE-9F806A6560BC}"/>
     <dgm:cxn modelId="{4C7D4F58-0288-C140-9FE6-A2313FF19DB2}" srcId="{01F09C76-2BB9-C241-BFB4-DA11AB2FE3EE}" destId="{88C5D129-1213-534F-B9E1-691061734311}" srcOrd="1" destOrd="0" parTransId="{B2C9C59B-FA3C-1941-B55B-8A5E2BA14A0C}" sibTransId="{C1D8ADF8-E06D-BD49-9276-54F815556AA6}"/>
@@ -2951,18 +2953,18 @@
     <dgm:cxn modelId="{DAD40FA2-F16A-374A-B646-5DBB3AAE3F82}" type="presOf" srcId="{9431FF87-65D8-574C-8FA1-7FA73711D94D}" destId="{044CB9BD-33C8-6447-8F9D-B885854F1880}" srcOrd="1" destOrd="0" presId="urn:microsoft.com/office/officeart/2008/layout/HorizontalMultiLevelHierarchy"/>
     <dgm:cxn modelId="{C49C87AE-117A-3A43-B9A2-9BE8732DD4AC}" type="presOf" srcId="{4607648F-4291-4F4F-AC23-59C3D4A3838D}" destId="{90FA91CF-F53F-D348-B50F-9B76AFACAEAA}" srcOrd="0" destOrd="0" presId="urn:microsoft.com/office/officeart/2008/layout/HorizontalMultiLevelHierarchy"/>
     <dgm:cxn modelId="{A7AF8EB5-7A96-614B-AF96-B0E282DD1D62}" type="presOf" srcId="{12C46BD0-989D-164D-9D4C-C0ECA1CE18B5}" destId="{B95ECFB0-9E00-F944-AD62-7D419480689D}" srcOrd="0" destOrd="0" presId="urn:microsoft.com/office/officeart/2008/layout/HorizontalMultiLevelHierarchy"/>
-    <dgm:cxn modelId="{EFE830B8-A7B1-F848-8299-058998EFCCB7}" type="presOf" srcId="{8AC7C8DB-ACEC-494C-A1D5-0460FC8D2436}" destId="{A5BC4A75-D1CA-5043-8431-4943765E8272}" srcOrd="0" destOrd="0" presId="urn:microsoft.com/office/officeart/2008/layout/HorizontalMultiLevelHierarchy"/>
+    <dgm:cxn modelId="{9E9423B6-870E-EA4E-8839-0A0C8722932D}" type="presOf" srcId="{296D0192-6A8D-554C-A2B9-96C431C40793}" destId="{5FD82044-5DA0-5C4D-B5AD-20FF03A81A4B}" srcOrd="1" destOrd="0" presId="urn:microsoft.com/office/officeart/2008/layout/HorizontalMultiLevelHierarchy"/>
     <dgm:cxn modelId="{05FA57B8-2570-8943-AF95-3B9B2E7EF3B5}" srcId="{01F09C76-2BB9-C241-BFB4-DA11AB2FE3EE}" destId="{4607648F-4291-4F4F-AC23-59C3D4A3838D}" srcOrd="2" destOrd="0" parTransId="{9431FF87-65D8-574C-8FA1-7FA73711D94D}" sibTransId="{CB021F0B-778A-9E46-BE87-D8E8F474A0CD}"/>
-    <dgm:cxn modelId="{D761CDC6-F0A0-DD46-BC15-FD1C0940C830}" type="presOf" srcId="{296D0192-6A8D-554C-A2B9-96C431C40793}" destId="{7C438662-7400-8A49-BFE0-80451B3E891E}" srcOrd="0" destOrd="0" presId="urn:microsoft.com/office/officeart/2008/layout/HorizontalMultiLevelHierarchy"/>
-    <dgm:cxn modelId="{589175CF-CE5F-094A-93C6-FF64626438E5}" type="presOf" srcId="{74964B90-3DEE-994A-8347-E42B8A37D017}" destId="{AD301899-FFAB-E544-BF0A-CE2512CDEB4E}" srcOrd="0" destOrd="0" presId="urn:microsoft.com/office/officeart/2008/layout/HorizontalMultiLevelHierarchy"/>
+    <dgm:cxn modelId="{2B5DD3C7-B698-FD45-A089-94441734E773}" type="presOf" srcId="{296D0192-6A8D-554C-A2B9-96C431C40793}" destId="{EB4CAE6E-49F7-B740-AF48-14312E5304B4}" srcOrd="0" destOrd="0" presId="urn:microsoft.com/office/officeart/2008/layout/HorizontalMultiLevelHierarchy"/>
+    <dgm:cxn modelId="{9A5B9DD1-E8F3-904B-9F0B-7A2BF5D60941}" type="presOf" srcId="{74964B90-3DEE-994A-8347-E42B8A37D017}" destId="{20B717E8-265D-C64D-A822-E684B91F1467}" srcOrd="1" destOrd="0" presId="urn:microsoft.com/office/officeart/2008/layout/HorizontalMultiLevelHierarchy"/>
     <dgm:cxn modelId="{0C1AB0D3-5407-CE44-9C96-E895B0B63BEE}" type="presOf" srcId="{C43BF1AE-FBF6-994D-883D-A0A994D7C7D0}" destId="{354A4A09-9F38-8B48-ABC3-E1D3A67C7D9D}" srcOrd="0" destOrd="0" presId="urn:microsoft.com/office/officeart/2008/layout/HorizontalMultiLevelHierarchy"/>
-    <dgm:cxn modelId="{5A6AF4D5-F199-4347-931D-21D80E0BF8BC}" type="presOf" srcId="{74964B90-3DEE-994A-8347-E42B8A37D017}" destId="{20B717E8-265D-C64D-A822-E684B91F1467}" srcOrd="1" destOrd="0" presId="urn:microsoft.com/office/officeart/2008/layout/HorizontalMultiLevelHierarchy"/>
+    <dgm:cxn modelId="{FF71BFD5-F51E-DA49-B27A-A99557BAF5D7}" type="presOf" srcId="{74964B90-3DEE-994A-8347-E42B8A37D017}" destId="{AD301899-FFAB-E544-BF0A-CE2512CDEB4E}" srcOrd="0" destOrd="0" presId="urn:microsoft.com/office/officeart/2008/layout/HorizontalMultiLevelHierarchy"/>
     <dgm:cxn modelId="{EC6B17DC-C65A-7542-BAB9-0F2B3DF651F7}" srcId="{6ECC962F-E63C-744F-84DD-4539875AAA0E}" destId="{FE83FF56-DE30-5C42-BCB6-835DD3C4D10E}" srcOrd="0" destOrd="0" parTransId="{EFAB9F56-9BFE-5F4F-8708-4A35D22D5027}" sibTransId="{6C31D939-D5BC-914A-98FD-E1ECEAC75531}"/>
     <dgm:cxn modelId="{7EEDB1DF-63F6-E44D-BFAD-08BBBE549A92}" type="presOf" srcId="{88C5D129-1213-534F-B9E1-691061734311}" destId="{2A7182C6-B8C1-1A4A-B954-938D1FB6BCEA}" srcOrd="0" destOrd="0" presId="urn:microsoft.com/office/officeart/2008/layout/HorizontalMultiLevelHierarchy"/>
     <dgm:cxn modelId="{8C0353E1-14BE-9E40-8A2C-F5D3FF00B938}" srcId="{01F09C76-2BB9-C241-BFB4-DA11AB2FE3EE}" destId="{12C46BD0-989D-164D-9D4C-C0ECA1CE18B5}" srcOrd="3" destOrd="0" parTransId="{C43BF1AE-FBF6-994D-883D-A0A994D7C7D0}" sibTransId="{DD29FEAA-C4D4-1447-9BA5-F48F32C880B8}"/>
     <dgm:cxn modelId="{A48E51E6-1CD6-1746-A6D7-436789C4D228}" type="presOf" srcId="{A8834774-BC1C-7049-B39D-DDC8AD6086C2}" destId="{FC566A7A-B479-9C40-9DDD-126AD5691A99}" srcOrd="0" destOrd="0" presId="urn:microsoft.com/office/officeart/2008/layout/HorizontalMultiLevelHierarchy"/>
-    <dgm:cxn modelId="{341CFFEB-DEAB-084E-9D23-D1FC98AA00ED}" type="presOf" srcId="{296D0192-6A8D-554C-A2B9-96C431C40793}" destId="{D243CE42-788A-B14C-9EB4-1D2A6BA17C56}" srcOrd="1" destOrd="0" presId="urn:microsoft.com/office/officeart/2008/layout/HorizontalMultiLevelHierarchy"/>
     <dgm:cxn modelId="{C245ABEE-29D1-4F44-BD95-3AD6C525879E}" srcId="{FE83FF56-DE30-5C42-BCB6-835DD3C4D10E}" destId="{71A01A49-D308-AB4B-8742-8B855F4855A4}" srcOrd="0" destOrd="0" parTransId="{AA35EE30-76CA-C541-BFF8-6713E1751CD1}" sibTransId="{55D8D014-1D7F-384E-BD27-710DDC5AF696}"/>
+    <dgm:cxn modelId="{C9C3B2F9-FA91-034B-8AD5-8C7F20CB806D}" type="presOf" srcId="{8AC7C8DB-ACEC-494C-A1D5-0460FC8D2436}" destId="{A5BC4A75-D1CA-5043-8431-4943765E8272}" srcOrd="0" destOrd="0" presId="urn:microsoft.com/office/officeart/2008/layout/HorizontalMultiLevelHierarchy"/>
     <dgm:cxn modelId="{9511B0D1-7943-FE48-8BD1-238BDEB1866C}" type="presParOf" srcId="{DF41E6F6-F6A9-5448-9AF3-159C33A8D1EC}" destId="{031EDBC5-F20C-EC4A-9551-B6211B4223F6}" srcOrd="0" destOrd="0" presId="urn:microsoft.com/office/officeart/2008/layout/HorizontalMultiLevelHierarchy"/>
     <dgm:cxn modelId="{2586165E-24F4-5741-84C3-7D546F962749}" type="presParOf" srcId="{031EDBC5-F20C-EC4A-9551-B6211B4223F6}" destId="{6DFC8F44-E535-684E-A3C3-FC47EFEBB159}" srcOrd="0" destOrd="0" presId="urn:microsoft.com/office/officeart/2008/layout/HorizontalMultiLevelHierarchy"/>
     <dgm:cxn modelId="{2E865161-6B33-234F-B9CE-8544669C5467}" type="presParOf" srcId="{031EDBC5-F20C-EC4A-9551-B6211B4223F6}" destId="{42E4C3A4-76FB-B245-A6AF-BD9487DD756C}" srcOrd="1" destOrd="0" presId="urn:microsoft.com/office/officeart/2008/layout/HorizontalMultiLevelHierarchy"/>
@@ -2996,16 +2998,16 @@
     <dgm:cxn modelId="{18B0DCD1-CA66-6548-B534-4BF97C3CB06C}" type="presParOf" srcId="{E9CFD79B-DDD3-734C-88F5-EFD966BAA2A7}" destId="{7C0A542B-7A48-A94F-A4AF-BFE605A51132}" srcOrd="7" destOrd="0" presId="urn:microsoft.com/office/officeart/2008/layout/HorizontalMultiLevelHierarchy"/>
     <dgm:cxn modelId="{30B96D81-44DF-DA44-BA44-69FD6A315316}" type="presParOf" srcId="{7C0A542B-7A48-A94F-A4AF-BFE605A51132}" destId="{B95ECFB0-9E00-F944-AD62-7D419480689D}" srcOrd="0" destOrd="0" presId="urn:microsoft.com/office/officeart/2008/layout/HorizontalMultiLevelHierarchy"/>
     <dgm:cxn modelId="{C3DC2BDA-4341-B54B-88D9-DE8959A7C35F}" type="presParOf" srcId="{7C0A542B-7A48-A94F-A4AF-BFE605A51132}" destId="{1A29CC4E-E008-CA4B-953E-637E41A9B4F3}" srcOrd="1" destOrd="0" presId="urn:microsoft.com/office/officeart/2008/layout/HorizontalMultiLevelHierarchy"/>
-    <dgm:cxn modelId="{493464FE-304F-424E-9CBD-0ECA173B9880}" type="presParOf" srcId="{42E4C3A4-76FB-B245-A6AF-BD9487DD756C}" destId="{7C438662-7400-8A49-BFE0-80451B3E891E}" srcOrd="2" destOrd="0" presId="urn:microsoft.com/office/officeart/2008/layout/HorizontalMultiLevelHierarchy"/>
-    <dgm:cxn modelId="{CA48E520-A06C-2247-968C-3222CBB136EE}" type="presParOf" srcId="{7C438662-7400-8A49-BFE0-80451B3E891E}" destId="{D243CE42-788A-B14C-9EB4-1D2A6BA17C56}" srcOrd="0" destOrd="0" presId="urn:microsoft.com/office/officeart/2008/layout/HorizontalMultiLevelHierarchy"/>
-    <dgm:cxn modelId="{523EA44E-9E78-5D49-BF16-0E4B04D859F3}" type="presParOf" srcId="{42E4C3A4-76FB-B245-A6AF-BD9487DD756C}" destId="{FBD0A488-B549-2F47-B947-437CF74D828F}" srcOrd="3" destOrd="0" presId="urn:microsoft.com/office/officeart/2008/layout/HorizontalMultiLevelHierarchy"/>
-    <dgm:cxn modelId="{3EF56C04-D2A7-F44F-AD37-82720F0C77E1}" type="presParOf" srcId="{FBD0A488-B549-2F47-B947-437CF74D828F}" destId="{1BC4A7F7-105B-6342-815E-DE23F187BE5F}" srcOrd="0" destOrd="0" presId="urn:microsoft.com/office/officeart/2008/layout/HorizontalMultiLevelHierarchy"/>
-    <dgm:cxn modelId="{83E30D5A-1CBF-6149-A6B8-29CCB263F37C}" type="presParOf" srcId="{FBD0A488-B549-2F47-B947-437CF74D828F}" destId="{52CF8AC6-8330-3049-98EB-F2D03ECF18F0}" srcOrd="1" destOrd="0" presId="urn:microsoft.com/office/officeart/2008/layout/HorizontalMultiLevelHierarchy"/>
-    <dgm:cxn modelId="{A6E5C822-23C2-D34A-BD90-93B9FAEEB6CA}" type="presParOf" srcId="{42E4C3A4-76FB-B245-A6AF-BD9487DD756C}" destId="{AD301899-FFAB-E544-BF0A-CE2512CDEB4E}" srcOrd="4" destOrd="0" presId="urn:microsoft.com/office/officeart/2008/layout/HorizontalMultiLevelHierarchy"/>
-    <dgm:cxn modelId="{BF815EDA-7528-BB43-8B5E-8594A3D38530}" type="presParOf" srcId="{AD301899-FFAB-E544-BF0A-CE2512CDEB4E}" destId="{20B717E8-265D-C64D-A822-E684B91F1467}" srcOrd="0" destOrd="0" presId="urn:microsoft.com/office/officeart/2008/layout/HorizontalMultiLevelHierarchy"/>
-    <dgm:cxn modelId="{5C2C5DE6-2613-0245-A503-DA7483233DF4}" type="presParOf" srcId="{42E4C3A4-76FB-B245-A6AF-BD9487DD756C}" destId="{92C8FE8D-DE70-3845-BC1D-AEADAFF2C178}" srcOrd="5" destOrd="0" presId="urn:microsoft.com/office/officeart/2008/layout/HorizontalMultiLevelHierarchy"/>
-    <dgm:cxn modelId="{5C351695-EB4C-8741-B8A2-F32E7866FA86}" type="presParOf" srcId="{92C8FE8D-DE70-3845-BC1D-AEADAFF2C178}" destId="{A5BC4A75-D1CA-5043-8431-4943765E8272}" srcOrd="0" destOrd="0" presId="urn:microsoft.com/office/officeart/2008/layout/HorizontalMultiLevelHierarchy"/>
-    <dgm:cxn modelId="{F79D7760-291B-A443-9A54-57FEE30719C5}" type="presParOf" srcId="{92C8FE8D-DE70-3845-BC1D-AEADAFF2C178}" destId="{005065F3-5C7C-DA4A-BA5C-AEB7FED0F0E8}" srcOrd="1" destOrd="0" presId="urn:microsoft.com/office/officeart/2008/layout/HorizontalMultiLevelHierarchy"/>
+    <dgm:cxn modelId="{91B4FC14-AE11-9B47-A08E-F0D1AD7AC3D5}" type="presParOf" srcId="{42E4C3A4-76FB-B245-A6AF-BD9487DD756C}" destId="{EB4CAE6E-49F7-B740-AF48-14312E5304B4}" srcOrd="2" destOrd="0" presId="urn:microsoft.com/office/officeart/2008/layout/HorizontalMultiLevelHierarchy"/>
+    <dgm:cxn modelId="{B51BA580-C528-6248-B542-3E381550B833}" type="presParOf" srcId="{EB4CAE6E-49F7-B740-AF48-14312E5304B4}" destId="{5FD82044-5DA0-5C4D-B5AD-20FF03A81A4B}" srcOrd="0" destOrd="0" presId="urn:microsoft.com/office/officeart/2008/layout/HorizontalMultiLevelHierarchy"/>
+    <dgm:cxn modelId="{DE71419D-94B1-5B46-892A-26264EB28111}" type="presParOf" srcId="{42E4C3A4-76FB-B245-A6AF-BD9487DD756C}" destId="{3D9C6A65-BB6B-2445-A251-8D8217CAE47D}" srcOrd="3" destOrd="0" presId="urn:microsoft.com/office/officeart/2008/layout/HorizontalMultiLevelHierarchy"/>
+    <dgm:cxn modelId="{BBBDFC0F-C630-844B-BA36-F3C5A5315D24}" type="presParOf" srcId="{3D9C6A65-BB6B-2445-A251-8D8217CAE47D}" destId="{089B2787-6D98-C74B-B631-7F2C5F8479B2}" srcOrd="0" destOrd="0" presId="urn:microsoft.com/office/officeart/2008/layout/HorizontalMultiLevelHierarchy"/>
+    <dgm:cxn modelId="{9F4FE882-0F8C-864F-B033-007FBB3E7674}" type="presParOf" srcId="{3D9C6A65-BB6B-2445-A251-8D8217CAE47D}" destId="{E52C93B3-EEC6-FE4F-A43A-3438E637173C}" srcOrd="1" destOrd="0" presId="urn:microsoft.com/office/officeart/2008/layout/HorizontalMultiLevelHierarchy"/>
+    <dgm:cxn modelId="{370285EB-7AD0-3544-B5CF-BD469522CEC1}" type="presParOf" srcId="{42E4C3A4-76FB-B245-A6AF-BD9487DD756C}" destId="{AD301899-FFAB-E544-BF0A-CE2512CDEB4E}" srcOrd="4" destOrd="0" presId="urn:microsoft.com/office/officeart/2008/layout/HorizontalMultiLevelHierarchy"/>
+    <dgm:cxn modelId="{DE41AC9D-D976-044D-A844-A32503421292}" type="presParOf" srcId="{AD301899-FFAB-E544-BF0A-CE2512CDEB4E}" destId="{20B717E8-265D-C64D-A822-E684B91F1467}" srcOrd="0" destOrd="0" presId="urn:microsoft.com/office/officeart/2008/layout/HorizontalMultiLevelHierarchy"/>
+    <dgm:cxn modelId="{C23F2FBE-DB43-2143-9D5C-7A5C6E7E2545}" type="presParOf" srcId="{42E4C3A4-76FB-B245-A6AF-BD9487DD756C}" destId="{92C8FE8D-DE70-3845-BC1D-AEADAFF2C178}" srcOrd="5" destOrd="0" presId="urn:microsoft.com/office/officeart/2008/layout/HorizontalMultiLevelHierarchy"/>
+    <dgm:cxn modelId="{D0F6E17E-5F3C-FE43-BBFD-ABF4677DCD1A}" type="presParOf" srcId="{92C8FE8D-DE70-3845-BC1D-AEADAFF2C178}" destId="{A5BC4A75-D1CA-5043-8431-4943765E8272}" srcOrd="0" destOrd="0" presId="urn:microsoft.com/office/officeart/2008/layout/HorizontalMultiLevelHierarchy"/>
+    <dgm:cxn modelId="{78FFD114-5D62-144E-B8D4-1F1C07E38A58}" type="presParOf" srcId="{92C8FE8D-DE70-3845-BC1D-AEADAFF2C178}" destId="{005065F3-5C7C-DA4A-BA5C-AEB7FED0F0E8}" srcOrd="1" destOrd="0" presId="urn:microsoft.com/office/officeart/2008/layout/HorizontalMultiLevelHierarchy"/>
   </dgm:cxnLst>
   <dgm:bg/>
   <dgm:whole/>
@@ -4016,7 +4018,7 @@
         <a:ext cx="37846" cy="37846"/>
       </dsp:txXfrm>
     </dsp:sp>
-    <dsp:sp modelId="{7C438662-7400-8A49-BFE0-80451B3E891E}">
+    <dsp:sp modelId="{EB4CAE6E-49F7-B740-AF48-14312E5304B4}">
       <dsp:nvSpPr>
         <dsp:cNvPr id="0" name=""/>
         <dsp:cNvSpPr/>
@@ -4168,7 +4170,7 @@
         </a:bodyPr>
         <a:lstStyle/>
         <a:p>
-          <a:pPr marL="0" lvl="0" indent="0" algn="ctr" defTabSz="222250">
+          <a:pPr marL="0" lvl="0" indent="0" algn="ctr" defTabSz="222250" rtl="1">
             <a:lnSpc>
               <a:spcPct val="90000"/>
             </a:lnSpc>
@@ -4742,12 +4744,12 @@
         </a:fontRef>
       </dsp:style>
       <dsp:txBody>
-        <a:bodyPr spcFirstLastPara="0" vert="horz" wrap="square" lIns="10160" tIns="10160" rIns="10160" bIns="10160" numCol="1" spcCol="1270" anchor="ctr" anchorCtr="0">
+        <a:bodyPr spcFirstLastPara="0" vert="horz" wrap="square" lIns="8890" tIns="8890" rIns="8890" bIns="8890" numCol="1" spcCol="1270" anchor="ctr" anchorCtr="0">
           <a:noAutofit/>
         </a:bodyPr>
         <a:lstStyle/>
         <a:p>
-          <a:pPr marL="0" lvl="0" indent="0" algn="ctr" defTabSz="711200" rtl="0">
+          <a:pPr marL="0" lvl="0" indent="0" algn="ctr" defTabSz="622300" rtl="0">
             <a:lnSpc>
               <a:spcPct val="90000"/>
             </a:lnSpc>
@@ -4760,10 +4762,10 @@
             <a:buNone/>
           </a:pPr>
           <a:r>
-            <a:rPr lang="en-US" sz="1600" kern="1200" dirty="0" err="1"/>
+            <a:rPr lang="en-US" sz="1400" kern="1200" dirty="0" err="1"/>
             <a:t>Predus</a:t>
           </a:r>
-          <a:endParaRPr lang="en-US" sz="1600" kern="1200" dirty="0"/>
+          <a:endParaRPr lang="en-US" sz="1400" kern="1200" dirty="0"/>
         </a:p>
       </dsp:txBody>
       <dsp:txXfrm>
@@ -4820,12 +4822,12 @@
         </a:fontRef>
       </dsp:style>
       <dsp:txBody>
-        <a:bodyPr spcFirstLastPara="0" vert="horz" wrap="square" lIns="10160" tIns="10160" rIns="10160" bIns="10160" numCol="1" spcCol="1270" anchor="ctr" anchorCtr="0">
+        <a:bodyPr spcFirstLastPara="0" vert="horz" wrap="square" lIns="8890" tIns="8890" rIns="8890" bIns="8890" numCol="1" spcCol="1270" anchor="ctr" anchorCtr="0">
           <a:noAutofit/>
         </a:bodyPr>
         <a:lstStyle/>
         <a:p>
-          <a:pPr marL="0" lvl="0" indent="0" algn="ctr" defTabSz="711200" rtl="0">
+          <a:pPr marL="0" lvl="0" indent="0" algn="ctr" defTabSz="622300" rtl="0">
             <a:lnSpc>
               <a:spcPct val="90000"/>
             </a:lnSpc>
@@ -4838,8 +4840,8 @@
             <a:buNone/>
           </a:pPr>
           <a:r>
-            <a:rPr lang="en-US" sz="1600" kern="1200" dirty="0"/>
-            <a:t>Thresholds</a:t>
+            <a:rPr lang="en-US" sz="1400" kern="1200" dirty="0"/>
+            <a:t>Thresholds1</a:t>
           </a:r>
         </a:p>
       </dsp:txBody>
@@ -4897,12 +4899,12 @@
         </a:fontRef>
       </dsp:style>
       <dsp:txBody>
-        <a:bodyPr spcFirstLastPara="0" vert="horz" wrap="square" lIns="10160" tIns="10160" rIns="10160" bIns="10160" numCol="1" spcCol="1270" anchor="ctr" anchorCtr="0">
+        <a:bodyPr spcFirstLastPara="0" vert="horz" wrap="square" lIns="8890" tIns="8890" rIns="8890" bIns="8890" numCol="1" spcCol="1270" anchor="ctr" anchorCtr="0">
           <a:noAutofit/>
         </a:bodyPr>
         <a:lstStyle/>
         <a:p>
-          <a:pPr marL="0" lvl="0" indent="0" algn="ctr" defTabSz="711200" rtl="0">
+          <a:pPr marL="0" lvl="0" indent="0" algn="ctr" defTabSz="622300" rtl="0">
             <a:lnSpc>
               <a:spcPct val="90000"/>
             </a:lnSpc>
@@ -4915,7 +4917,7 @@
             <a:buNone/>
           </a:pPr>
           <a:r>
-            <a:rPr lang="en-US" sz="1600" kern="1200" dirty="0"/>
+            <a:rPr lang="en-US" sz="1400" kern="1200" dirty="0"/>
             <a:t>TP</a:t>
           </a:r>
         </a:p>
@@ -4974,12 +4976,12 @@
         </a:fontRef>
       </dsp:style>
       <dsp:txBody>
-        <a:bodyPr spcFirstLastPara="0" vert="horz" wrap="square" lIns="10160" tIns="10160" rIns="10160" bIns="10160" numCol="1" spcCol="1270" anchor="ctr" anchorCtr="0">
+        <a:bodyPr spcFirstLastPara="0" vert="horz" wrap="square" lIns="8890" tIns="8890" rIns="8890" bIns="8890" numCol="1" spcCol="1270" anchor="ctr" anchorCtr="0">
           <a:noAutofit/>
         </a:bodyPr>
         <a:lstStyle/>
         <a:p>
-          <a:pPr marL="0" lvl="0" indent="0" algn="ctr" defTabSz="711200" rtl="0">
+          <a:pPr marL="0" lvl="0" indent="0" algn="ctr" defTabSz="622300" rtl="0">
             <a:lnSpc>
               <a:spcPct val="90000"/>
             </a:lnSpc>
@@ -4992,7 +4994,7 @@
             <a:buNone/>
           </a:pPr>
           <a:r>
-            <a:rPr lang="en-US" sz="1600" kern="1200" dirty="0"/>
+            <a:rPr lang="en-US" sz="1400" kern="1200" dirty="0"/>
             <a:t>FP</a:t>
           </a:r>
         </a:p>
@@ -5051,12 +5053,12 @@
         </a:fontRef>
       </dsp:style>
       <dsp:txBody>
-        <a:bodyPr spcFirstLastPara="0" vert="horz" wrap="square" lIns="10160" tIns="10160" rIns="10160" bIns="10160" numCol="1" spcCol="1270" anchor="ctr" anchorCtr="0">
+        <a:bodyPr spcFirstLastPara="0" vert="horz" wrap="square" lIns="8890" tIns="8890" rIns="8890" bIns="8890" numCol="1" spcCol="1270" anchor="ctr" anchorCtr="0">
           <a:noAutofit/>
         </a:bodyPr>
         <a:lstStyle/>
         <a:p>
-          <a:pPr marL="0" lvl="0" indent="0" algn="ctr" defTabSz="711200" rtl="0">
+          <a:pPr marL="0" lvl="0" indent="0" algn="ctr" defTabSz="622300" rtl="0">
             <a:lnSpc>
               <a:spcPct val="90000"/>
             </a:lnSpc>
@@ -5069,7 +5071,7 @@
             <a:buNone/>
           </a:pPr>
           <a:r>
-            <a:rPr lang="en-US" sz="1600" kern="1200" dirty="0"/>
+            <a:rPr lang="en-US" sz="1400" kern="1200" dirty="0"/>
             <a:t>predicted</a:t>
           </a:r>
         </a:p>
@@ -5128,12 +5130,12 @@
         </a:fontRef>
       </dsp:style>
       <dsp:txBody>
-        <a:bodyPr spcFirstLastPara="0" vert="horz" wrap="square" lIns="10160" tIns="10160" rIns="10160" bIns="10160" numCol="1" spcCol="1270" anchor="ctr" anchorCtr="0">
+        <a:bodyPr spcFirstLastPara="0" vert="horz" wrap="square" lIns="8890" tIns="8890" rIns="8890" bIns="8890" numCol="1" spcCol="1270" anchor="ctr" anchorCtr="0">
           <a:noAutofit/>
         </a:bodyPr>
         <a:lstStyle/>
         <a:p>
-          <a:pPr marL="0" lvl="0" indent="0" algn="ctr" defTabSz="711200" rtl="0">
+          <a:pPr marL="0" lvl="0" indent="0" algn="ctr" defTabSz="622300" rtl="0">
             <a:lnSpc>
               <a:spcPct val="90000"/>
             </a:lnSpc>
@@ -5146,7 +5148,7 @@
             <a:buNone/>
           </a:pPr>
           <a:r>
-            <a:rPr lang="en-US" sz="1600" kern="1200" dirty="0"/>
+            <a:rPr lang="en-US" sz="1400" kern="1200" dirty="0"/>
             <a:t>neg</a:t>
           </a:r>
         </a:p>
@@ -5156,7 +5158,7 @@
         <a:ext cx="969577" cy="295602"/>
       </dsp:txXfrm>
     </dsp:sp>
-    <dsp:sp modelId="{1BC4A7F7-105B-6342-815E-DE23F187BE5F}">
+    <dsp:sp modelId="{089B2787-6D98-C74B-B631-7F2C5F8479B2}">
       <dsp:nvSpPr>
         <dsp:cNvPr id="0" name=""/>
         <dsp:cNvSpPr/>
@@ -5205,12 +5207,12 @@
         </a:fontRef>
       </dsp:style>
       <dsp:txBody>
-        <a:bodyPr spcFirstLastPara="0" vert="horz" wrap="square" lIns="10160" tIns="10160" rIns="10160" bIns="10160" numCol="1" spcCol="1270" anchor="ctr" anchorCtr="0">
+        <a:bodyPr spcFirstLastPara="0" vert="horz" wrap="square" lIns="8890" tIns="8890" rIns="8890" bIns="8890" numCol="1" spcCol="1270" anchor="ctr" anchorCtr="0">
           <a:noAutofit/>
         </a:bodyPr>
         <a:lstStyle/>
         <a:p>
-          <a:pPr marL="0" lvl="0" indent="0" algn="ctr" defTabSz="711200">
+          <a:pPr marL="0" lvl="0" indent="0" algn="ctr" defTabSz="622300">
             <a:lnSpc>
               <a:spcPct val="90000"/>
             </a:lnSpc>
@@ -5223,10 +5225,10 @@
             <a:buNone/>
           </a:pPr>
           <a:r>
-            <a:rPr lang="en-US" sz="1600" kern="1200" dirty="0" err="1"/>
+            <a:rPr lang="en-US" sz="1400" kern="1200" dirty="0" err="1"/>
             <a:t>Ispred</a:t>
           </a:r>
-          <a:endParaRPr lang="en-US" sz="1600" kern="1200" dirty="0"/>
+          <a:endParaRPr lang="en-US" sz="1400" kern="1200" dirty="0"/>
         </a:p>
       </dsp:txBody>
       <dsp:txXfrm>
@@ -5283,12 +5285,12 @@
         </a:fontRef>
       </dsp:style>
       <dsp:txBody>
-        <a:bodyPr spcFirstLastPara="0" vert="horz" wrap="square" lIns="10160" tIns="10160" rIns="10160" bIns="10160" numCol="1" spcCol="1270" anchor="ctr" anchorCtr="0">
+        <a:bodyPr spcFirstLastPara="0" vert="horz" wrap="square" lIns="8890" tIns="8890" rIns="8890" bIns="8890" numCol="1" spcCol="1270" anchor="ctr" anchorCtr="0">
           <a:noAutofit/>
         </a:bodyPr>
         <a:lstStyle/>
         <a:p>
-          <a:pPr marL="0" lvl="0" indent="0" algn="ctr" defTabSz="711200">
+          <a:pPr marL="0" lvl="0" indent="0" algn="ctr" defTabSz="622300">
             <a:lnSpc>
               <a:spcPct val="90000"/>
             </a:lnSpc>
@@ -5301,10 +5303,10 @@
             <a:buNone/>
           </a:pPr>
           <a:r>
-            <a:rPr lang="en-US" sz="1600" kern="1200" dirty="0" err="1"/>
+            <a:rPr lang="en-US" sz="1400" kern="1200" dirty="0" err="1"/>
             <a:t>Dockpred</a:t>
           </a:r>
-          <a:endParaRPr lang="en-US" sz="1600" kern="1200" dirty="0"/>
+          <a:endParaRPr lang="en-US" sz="1400" kern="1200" dirty="0"/>
         </a:p>
       </dsp:txBody>
       <dsp:txXfrm>
@@ -14362,6 +14364,14 @@
 <file path=ppt/slides/slide1.xml><?xml version="1.0" encoding="utf-8"?>
 <p:sld xmlns:a="http://schemas.openxmlformats.org/drawingml/2006/main" xmlns:r="http://schemas.openxmlformats.org/officeDocument/2006/relationships" xmlns:p="http://schemas.openxmlformats.org/presentationml/2006/main">
   <p:cSld>
+    <p:bg>
+      <p:bgPr>
+        <a:solidFill>
+          <a:schemeClr val="accent2"/>
+        </a:solidFill>
+        <a:effectLst/>
+      </p:bgPr>
+    </p:bg>
     <p:spTree>
       <p:nvGrpSpPr>
         <p:cNvPr id="1" name=""/>
@@ -14392,15 +14402,165 @@
             <p:ph type="ctrTitle"/>
           </p:nvPr>
         </p:nvSpPr>
-        <p:spPr/>
+        <p:spPr>
+          <a:xfrm>
+            <a:off x="5498590" y="988741"/>
+            <a:ext cx="5888754" cy="4880518"/>
+          </a:xfrm>
+          <a:noFill/>
+          <a:ln>
+            <a:noFill/>
+          </a:ln>
+        </p:spPr>
         <p:txBody>
-          <a:bodyPr/>
+          <a:bodyPr wrap="square">
+            <a:normAutofit/>
+          </a:bodyPr>
           <a:lstStyle/>
           <a:p>
+            <a:pPr algn="l"/>
             <a:r>
-              <a:rPr lang="en-US" dirty="0"/>
+              <a:rPr lang="en-US" sz="4800">
+                <a:solidFill>
+                  <a:schemeClr val="tx1"/>
+                </a:solidFill>
+              </a:rPr>
               <a:t>Further optimization Of META-DPI and results Summary</a:t>
             </a:r>
+          </a:p>
+        </p:txBody>
+      </p:sp>
+      <p:sp>
+        <p:nvSpPr>
+          <p:cNvPr id="7" name="Rectangle 6">
+            <a:extLst>
+              <a:ext uri="{FF2B5EF4-FFF2-40B4-BE49-F238E27FC236}">
+                <a16:creationId xmlns:a16="http://schemas.microsoft.com/office/drawing/2014/main" id="{6E5BD17F-C95C-40ED-8D04-03295D46FD23}"/>
+              </a:ext>
+              <a:ext uri="{C183D7F6-B498-43B3-948B-1728B52AA6E4}">
+                <adec:decorative xmlns:adec="http://schemas.microsoft.com/office/drawing/2017/decorative" val="1"/>
+              </a:ext>
+            </a:extLst>
+          </p:cNvPr>
+          <p:cNvSpPr>
+            <a:spLocks noGrp="1" noRot="1" noChangeAspect="1" noMove="1" noResize="1" noEditPoints="1" noAdjustHandles="1" noChangeArrowheads="1" noChangeShapeType="1" noTextEdit="1"/>
+          </p:cNvSpPr>
+          <p:nvPr>
+            <p:extLst>
+              <p:ext uri="{386F3935-93C4-4BCD-93E2-E3B085C9AB24}">
+                <p16:designElem xmlns:p16="http://schemas.microsoft.com/office/powerpoint/2015/main" val="1"/>
+              </p:ext>
+            </p:extLst>
+          </p:nvPr>
+        </p:nvSpPr>
+        <p:spPr>
+          <a:xfrm>
+            <a:off x="0" y="0"/>
+            <a:ext cx="1438656" cy="6858000"/>
+          </a:xfrm>
+          <a:prstGeom prst="rect">
+            <a:avLst/>
+          </a:prstGeom>
+          <a:solidFill>
+            <a:schemeClr val="bg2">
+              <a:alpha val="80000"/>
+            </a:schemeClr>
+          </a:solidFill>
+          <a:ln>
+            <a:noFill/>
+          </a:ln>
+        </p:spPr>
+        <p:style>
+          <a:lnRef idx="2">
+            <a:schemeClr val="accent1">
+              <a:shade val="50000"/>
+            </a:schemeClr>
+          </a:lnRef>
+          <a:fillRef idx="1003">
+            <a:schemeClr val="lt1"/>
+          </a:fillRef>
+          <a:effectRef idx="0">
+            <a:schemeClr val="accent1"/>
+          </a:effectRef>
+          <a:fontRef idx="minor">
+            <a:schemeClr val="lt1"/>
+          </a:fontRef>
+        </p:style>
+        <p:txBody>
+          <a:bodyPr rtlCol="0" anchor="ctr"/>
+          <a:lstStyle/>
+          <a:p>
+            <a:pPr algn="ctr"/>
+            <a:endParaRPr lang="en-US">
+              <a:solidFill>
+                <a:schemeClr val="accent2"/>
+              </a:solidFill>
+            </a:endParaRPr>
+          </a:p>
+        </p:txBody>
+      </p:sp>
+      <p:sp>
+        <p:nvSpPr>
+          <p:cNvPr id="9" name="Rectangle 8">
+            <a:extLst>
+              <a:ext uri="{FF2B5EF4-FFF2-40B4-BE49-F238E27FC236}">
+                <a16:creationId xmlns:a16="http://schemas.microsoft.com/office/drawing/2014/main" id="{4203DEB5-0B19-4F8E-84E2-00F5861C96F9}"/>
+              </a:ext>
+              <a:ext uri="{C183D7F6-B498-43B3-948B-1728B52AA6E4}">
+                <adec:decorative xmlns:adec="http://schemas.microsoft.com/office/drawing/2017/decorative" val="1"/>
+              </a:ext>
+            </a:extLst>
+          </p:cNvPr>
+          <p:cNvSpPr>
+            <a:spLocks noGrp="1" noRot="1" noChangeAspect="1" noMove="1" noResize="1" noEditPoints="1" noAdjustHandles="1" noChangeArrowheads="1" noChangeShapeType="1" noTextEdit="1"/>
+          </p:cNvSpPr>
+          <p:nvPr>
+            <p:extLst>
+              <p:ext uri="{386F3935-93C4-4BCD-93E2-E3B085C9AB24}">
+                <p16:designElem xmlns:p16="http://schemas.microsoft.com/office/powerpoint/2015/main" val="1"/>
+              </p:ext>
+            </p:extLst>
+          </p:nvPr>
+        </p:nvSpPr>
+        <p:spPr>
+          <a:xfrm>
+            <a:off x="1438656" y="0"/>
+            <a:ext cx="3215640" cy="6858000"/>
+          </a:xfrm>
+          <a:prstGeom prst="rect">
+            <a:avLst/>
+          </a:prstGeom>
+          <a:solidFill>
+            <a:schemeClr val="accent2">
+              <a:lumMod val="75000"/>
+            </a:schemeClr>
+          </a:solidFill>
+          <a:ln>
+            <a:noFill/>
+          </a:ln>
+        </p:spPr>
+        <p:style>
+          <a:lnRef idx="2">
+            <a:schemeClr val="accent1">
+              <a:shade val="50000"/>
+            </a:schemeClr>
+          </a:lnRef>
+          <a:fillRef idx="1">
+            <a:schemeClr val="accent1"/>
+          </a:fillRef>
+          <a:effectRef idx="0">
+            <a:schemeClr val="accent1"/>
+          </a:effectRef>
+          <a:fontRef idx="minor">
+            <a:schemeClr val="lt1"/>
+          </a:fontRef>
+        </p:style>
+        <p:txBody>
+          <a:bodyPr rtlCol="0" anchor="ctr"/>
+          <a:lstStyle/>
+          <a:p>
+            <a:pPr algn="ctr"/>
+            <a:endParaRPr lang="en-US"/>
           </a:p>
         </p:txBody>
       </p:sp>
@@ -14924,7 +15084,7 @@
     <p:bg>
       <p:bgPr>
         <a:solidFill>
-          <a:schemeClr val="accent2"/>
+          <a:schemeClr val="bg1"/>
         </a:solidFill>
         <a:effectLst/>
       </p:bgPr>
@@ -14945,55 +15105,10 @@
       </p:grpSpPr>
       <p:sp>
         <p:nvSpPr>
-          <p:cNvPr id="2" name="Title 1">
+          <p:cNvPr id="30" name="Rectangle 29">
             <a:extLst>
               <a:ext uri="{FF2B5EF4-FFF2-40B4-BE49-F238E27FC236}">
-                <a16:creationId xmlns:a16="http://schemas.microsoft.com/office/drawing/2014/main" id="{83939F79-30C9-0046-ADCE-F496A34F22BA}"/>
-              </a:ext>
-            </a:extLst>
-          </p:cNvPr>
-          <p:cNvSpPr>
-            <a:spLocks noGrp="1"/>
-          </p:cNvSpPr>
-          <p:nvPr>
-            <p:ph type="title"/>
-          </p:nvPr>
-        </p:nvSpPr>
-        <p:spPr>
-          <a:xfrm>
-            <a:off x="829781" y="2708804"/>
-            <a:ext cx="3698803" cy="1440394"/>
-          </a:xfrm>
-          <a:noFill/>
-          <a:ln>
-            <a:solidFill>
-              <a:schemeClr val="tx1"/>
-            </a:solidFill>
-          </a:ln>
-        </p:spPr>
-        <p:txBody>
-          <a:bodyPr>
-            <a:normAutofit/>
-          </a:bodyPr>
-          <a:lstStyle/>
-          <a:p>
-            <a:r>
-              <a:rPr lang="en-US" sz="2400">
-                <a:solidFill>
-                  <a:schemeClr val="tx1"/>
-                </a:solidFill>
-              </a:rPr>
-              <a:t>Pandas Datframes</a:t>
-            </a:r>
-          </a:p>
-        </p:txBody>
-      </p:sp>
-      <p:sp>
-        <p:nvSpPr>
-          <p:cNvPr id="25" name="Rectangle 24">
-            <a:extLst>
-              <a:ext uri="{FF2B5EF4-FFF2-40B4-BE49-F238E27FC236}">
-                <a16:creationId xmlns:a16="http://schemas.microsoft.com/office/drawing/2014/main" id="{FB403EBD-907E-4D59-98D4-A72CD1063C62}"/>
+                <a16:creationId xmlns:a16="http://schemas.microsoft.com/office/drawing/2014/main" id="{2AEFFFF2-9EB4-4B6C-B9F8-2BA3EF89A21C}"/>
               </a:ext>
               <a:ext uri="{C183D7F6-B498-43B3-948B-1728B52AA6E4}">
                 <adec:decorative xmlns:adec="http://schemas.microsoft.com/office/drawing/2017/decorative" val="1"/>
@@ -15013,17 +15128,75 @@
         </p:nvSpPr>
         <p:spPr>
           <a:xfrm>
-            <a:off x="5315061" y="-2"/>
-            <a:ext cx="6876939" cy="6858002"/>
+            <a:off x="1" y="0"/>
+            <a:ext cx="3070172" cy="6858000"/>
           </a:xfrm>
           <a:prstGeom prst="rect">
             <a:avLst/>
           </a:prstGeom>
           <a:solidFill>
-            <a:schemeClr val="tx1">
-              <a:lumMod val="95000"/>
+            <a:schemeClr val="tx2"/>
+          </a:solidFill>
+          <a:ln>
+            <a:noFill/>
+          </a:ln>
+        </p:spPr>
+        <p:style>
+          <a:lnRef idx="2">
+            <a:schemeClr val="accent1">
+              <a:shade val="50000"/>
             </a:schemeClr>
-          </a:solidFill>
+          </a:lnRef>
+          <a:fillRef idx="1">
+            <a:schemeClr val="accent1"/>
+          </a:fillRef>
+          <a:effectRef idx="0">
+            <a:schemeClr val="accent1"/>
+          </a:effectRef>
+          <a:fontRef idx="minor">
+            <a:schemeClr val="lt1"/>
+          </a:fontRef>
+        </p:style>
+        <p:txBody>
+          <a:bodyPr rtlCol="0" anchor="ctr"/>
+          <a:lstStyle/>
+          <a:p>
+            <a:pPr algn="ctr"/>
+            <a:endParaRPr lang="en-US"/>
+          </a:p>
+        </p:txBody>
+      </p:sp>
+      <p:sp useBgFill="1">
+        <p:nvSpPr>
+          <p:cNvPr id="32" name="Rectangle 31">
+            <a:extLst>
+              <a:ext uri="{FF2B5EF4-FFF2-40B4-BE49-F238E27FC236}">
+                <a16:creationId xmlns:a16="http://schemas.microsoft.com/office/drawing/2014/main" id="{0D65299F-028F-4AFC-B46A-8DB33E20FE4A}"/>
+              </a:ext>
+              <a:ext uri="{C183D7F6-B498-43B3-948B-1728B52AA6E4}">
+                <adec:decorative xmlns:adec="http://schemas.microsoft.com/office/drawing/2017/decorative" val="1"/>
+              </a:ext>
+            </a:extLst>
+          </p:cNvPr>
+          <p:cNvSpPr>
+            <a:spLocks noGrp="1" noRot="1" noChangeAspect="1" noMove="1" noResize="1" noEditPoints="1" noAdjustHandles="1" noChangeArrowheads="1" noChangeShapeType="1" noTextEdit="1"/>
+          </p:cNvSpPr>
+          <p:nvPr>
+            <p:extLst>
+              <p:ext uri="{386F3935-93C4-4BCD-93E2-E3B085C9AB24}">
+                <p16:designElem xmlns:p16="http://schemas.microsoft.com/office/powerpoint/2015/main" val="1"/>
+              </p:ext>
+            </p:extLst>
+          </p:nvPr>
+        </p:nvSpPr>
+        <p:spPr>
+          <a:xfrm>
+            <a:off x="3070172" y="0"/>
+            <a:ext cx="9121828" cy="6858000"/>
+          </a:xfrm>
+          <a:prstGeom prst="rect">
+            <a:avLst/>
+          </a:prstGeom>
           <a:ln>
             <a:noFill/>
           </a:ln>
@@ -15055,6 +15228,123 @@
       </p:sp>
       <p:sp>
         <p:nvSpPr>
+          <p:cNvPr id="34" name="Oval 33">
+            <a:extLst>
+              <a:ext uri="{FF2B5EF4-FFF2-40B4-BE49-F238E27FC236}">
+                <a16:creationId xmlns:a16="http://schemas.microsoft.com/office/drawing/2014/main" id="{BAC87F6E-526A-49B5-995D-42DB656594C9}"/>
+              </a:ext>
+              <a:ext uri="{C183D7F6-B498-43B3-948B-1728B52AA6E4}">
+                <adec:decorative xmlns:adec="http://schemas.microsoft.com/office/drawing/2017/decorative" val="1"/>
+              </a:ext>
+            </a:extLst>
+          </p:cNvPr>
+          <p:cNvSpPr>
+            <a:spLocks noGrp="1" noRot="1" noChangeAspect="1" noMove="1" noResize="1" noEditPoints="1" noAdjustHandles="1" noChangeArrowheads="1" noChangeShapeType="1" noTextEdit="1"/>
+          </p:cNvSpPr>
+          <p:nvPr>
+            <p:extLst>
+              <p:ext uri="{386F3935-93C4-4BCD-93E2-E3B085C9AB24}">
+                <p16:designElem xmlns:p16="http://schemas.microsoft.com/office/powerpoint/2015/main" val="1"/>
+              </p:ext>
+            </p:extLst>
+          </p:nvPr>
+        </p:nvSpPr>
+        <p:spPr>
+          <a:xfrm>
+            <a:off x="1117423" y="1443035"/>
+            <a:ext cx="3971932" cy="3971930"/>
+          </a:xfrm>
+          <a:prstGeom prst="ellipse">
+            <a:avLst/>
+          </a:prstGeom>
+          <a:solidFill>
+            <a:srgbClr val="FFFFFF"/>
+          </a:solidFill>
+          <a:ln w="31750">
+            <a:solidFill>
+              <a:schemeClr val="accent2">
+                <a:lumMod val="75000"/>
+              </a:schemeClr>
+            </a:solidFill>
+          </a:ln>
+        </p:spPr>
+        <p:style>
+          <a:lnRef idx="2">
+            <a:schemeClr val="accent1">
+              <a:shade val="50000"/>
+            </a:schemeClr>
+          </a:lnRef>
+          <a:fillRef idx="1">
+            <a:schemeClr val="accent1"/>
+          </a:fillRef>
+          <a:effectRef idx="0">
+            <a:schemeClr val="accent1"/>
+          </a:effectRef>
+          <a:fontRef idx="minor">
+            <a:schemeClr val="lt1"/>
+          </a:fontRef>
+        </p:style>
+        <p:txBody>
+          <a:bodyPr rtlCol="0" anchor="ctr"/>
+          <a:lstStyle/>
+          <a:p>
+            <a:pPr algn="ctr"/>
+            <a:endParaRPr lang="en-US"/>
+          </a:p>
+        </p:txBody>
+      </p:sp>
+      <p:sp>
+        <p:nvSpPr>
+          <p:cNvPr id="2" name="Title 1">
+            <a:extLst>
+              <a:ext uri="{FF2B5EF4-FFF2-40B4-BE49-F238E27FC236}">
+                <a16:creationId xmlns:a16="http://schemas.microsoft.com/office/drawing/2014/main" id="{83939F79-30C9-0046-ADCE-F496A34F22BA}"/>
+              </a:ext>
+            </a:extLst>
+          </p:cNvPr>
+          <p:cNvSpPr>
+            <a:spLocks noGrp="1"/>
+          </p:cNvSpPr>
+          <p:nvPr>
+            <p:ph type="title"/>
+          </p:nvPr>
+        </p:nvSpPr>
+        <p:spPr>
+          <a:xfrm>
+            <a:off x="1260873" y="1586484"/>
+            <a:ext cx="3685032" cy="3685032"/>
+          </a:xfrm>
+          <a:prstGeom prst="ellipse">
+            <a:avLst/>
+          </a:prstGeom>
+          <a:solidFill>
+            <a:schemeClr val="accent2">
+              <a:lumMod val="75000"/>
+            </a:schemeClr>
+          </a:solidFill>
+          <a:ln>
+            <a:noFill/>
+          </a:ln>
+        </p:spPr>
+        <p:txBody>
+          <a:bodyPr>
+            <a:normAutofit/>
+          </a:bodyPr>
+          <a:lstStyle/>
+          <a:p>
+            <a:r>
+              <a:rPr lang="en-US">
+                <a:solidFill>
+                  <a:srgbClr val="FFFFFF"/>
+                </a:solidFill>
+              </a:rPr>
+              <a:t>Pandas Datframes</a:t>
+            </a:r>
+          </a:p>
+        </p:txBody>
+      </p:sp>
+      <p:sp>
+        <p:nvSpPr>
           <p:cNvPr id="3" name="Content Placeholder 2">
             <a:extLst>
               <a:ext uri="{FF2B5EF4-FFF2-40B4-BE49-F238E27FC236}">
@@ -15071,8 +15361,8 @@
         </p:nvSpPr>
         <p:spPr>
           <a:xfrm>
-            <a:off x="6049182" y="802638"/>
-            <a:ext cx="5408696" cy="5252722"/>
+            <a:off x="5591695" y="1402080"/>
+            <a:ext cx="5320696" cy="4053840"/>
           </a:xfrm>
         </p:spPr>
         <p:txBody>
@@ -15081,110 +15371,92 @@
           </a:bodyPr>
           <a:lstStyle/>
           <a:p>
+            <a:pPr>
+              <a:lnSpc>
+                <a:spcPct val="90000"/>
+              </a:lnSpc>
+            </a:pPr>
             <a:r>
-              <a:rPr lang="en-US" dirty="0">
-                <a:solidFill>
-                  <a:schemeClr val="bg1"/>
-                </a:solidFill>
-              </a:rPr>
+              <a:rPr lang="en-US"/>
               <a:t>When appending rows to a </a:t>
             </a:r>
             <a:r>
-              <a:rPr lang="en-US" dirty="0" err="1">
-                <a:solidFill>
-                  <a:schemeClr val="bg1"/>
-                </a:solidFill>
-              </a:rPr>
+              <a:rPr lang="en-US" err="1"/>
               <a:t>dataframe</a:t>
             </a:r>
             <a:r>
-              <a:rPr lang="en-US" dirty="0">
-                <a:solidFill>
-                  <a:schemeClr val="bg1"/>
-                </a:solidFill>
-              </a:rPr>
+              <a:rPr lang="en-US"/>
               <a:t> the append function can be used. </a:t>
             </a:r>
           </a:p>
           <a:p>
+            <a:pPr>
+              <a:lnSpc>
+                <a:spcPct val="90000"/>
+              </a:lnSpc>
+            </a:pPr>
             <a:r>
-              <a:rPr lang="en-US" dirty="0">
-                <a:solidFill>
-                  <a:schemeClr val="bg1"/>
-                </a:solidFill>
-              </a:rPr>
+              <a:rPr lang="en-US"/>
               <a:t>But it is time and data consuming </a:t>
             </a:r>
           </a:p>
           <a:p>
+            <a:pPr>
+              <a:lnSpc>
+                <a:spcPct val="90000"/>
+              </a:lnSpc>
+            </a:pPr>
             <a:r>
-              <a:rPr lang="en-US" dirty="0">
-                <a:solidFill>
-                  <a:schemeClr val="bg1"/>
-                </a:solidFill>
-              </a:rPr>
+              <a:rPr lang="en-US"/>
               <a:t>alternatively we have developed a method to speed up this process. </a:t>
             </a:r>
           </a:p>
           <a:p>
+            <a:pPr>
+              <a:lnSpc>
+                <a:spcPct val="90000"/>
+              </a:lnSpc>
+            </a:pPr>
             <a:r>
-              <a:rPr lang="en-US" dirty="0">
-                <a:solidFill>
-                  <a:schemeClr val="bg1"/>
-                </a:solidFill>
-              </a:rPr>
+              <a:rPr lang="en-US"/>
               <a:t>Using list comprehension and build in logic gates such as “</a:t>
             </a:r>
             <a:r>
-              <a:rPr lang="en-US" dirty="0" err="1">
-                <a:solidFill>
-                  <a:schemeClr val="bg1"/>
-                </a:solidFill>
-              </a:rPr>
+              <a:rPr lang="en-US" err="1"/>
               <a:t>isin</a:t>
             </a:r>
             <a:r>
-              <a:rPr lang="en-US" dirty="0">
-                <a:solidFill>
-                  <a:schemeClr val="bg1"/>
-                </a:solidFill>
-              </a:rPr>
+              <a:rPr lang="en-US"/>
               <a:t>” we can greatly speed up the development of multiple </a:t>
             </a:r>
             <a:r>
-              <a:rPr lang="en-US" dirty="0" err="1">
-                <a:solidFill>
-                  <a:schemeClr val="bg1"/>
-                </a:solidFill>
-              </a:rPr>
+              <a:rPr lang="en-US" err="1"/>
               <a:t>Dataframes</a:t>
             </a:r>
             <a:r>
-              <a:rPr lang="en-US" dirty="0">
-                <a:solidFill>
-                  <a:schemeClr val="bg1"/>
-                </a:solidFill>
-              </a:rPr>
+              <a:rPr lang="en-US"/>
               <a:t> for use in the ROC script </a:t>
             </a:r>
           </a:p>
           <a:p>
+            <a:pPr>
+              <a:lnSpc>
+                <a:spcPct val="90000"/>
+              </a:lnSpc>
+            </a:pPr>
             <a:r>
-              <a:rPr lang="en-US" dirty="0">
-                <a:solidFill>
-                  <a:schemeClr val="bg1"/>
-                </a:solidFill>
-              </a:rPr>
+              <a:rPr lang="en-US"/>
               <a:t>Non-optimized the 10-fold cross validation took 59.1 minutes to run.</a:t>
             </a:r>
           </a:p>
           <a:p>
+            <a:pPr>
+              <a:lnSpc>
+                <a:spcPct val="90000"/>
+              </a:lnSpc>
+            </a:pPr>
             <a:r>
-              <a:rPr lang="en-US" dirty="0">
-                <a:solidFill>
-                  <a:schemeClr val="bg1"/>
-                </a:solidFill>
-              </a:rPr>
+              <a:rPr lang="en-US"/>
               <a:t>With optimization the runtime was cut down to 6.7 mins</a:t>
             </a:r>
           </a:p>
@@ -15198,7 +15470,7 @@
     </p:extLst>
   </p:cSld>
   <p:clrMapOvr>
-    <a:overrideClrMapping bg1="dk1" tx1="lt1" bg2="dk2" tx2="lt2" accent1="accent1" accent2="accent2" accent3="accent3" accent4="accent4" accent5="accent5" accent6="accent6" hlink="hlink" folHlink="folHlink"/>
+    <a:overrideClrMapping bg1="lt1" tx1="dk1" bg2="lt2" tx2="dk2" accent1="accent1" accent2="accent2" accent3="accent3" accent4="accent4" accent5="accent5" accent6="accent6" hlink="hlink" folHlink="folHlink"/>
   </p:clrMapOvr>
 </p:sld>
 </file>
@@ -15681,7 +15953,7 @@
           <p:nvPr>
             <p:extLst>
               <p:ext uri="{D42A27DB-BD31-4B8C-83A1-F6EECF244321}">
-                <p14:modId xmlns:p14="http://schemas.microsoft.com/office/powerpoint/2010/main" val="1220273030"/>
+                <p14:modId xmlns:p14="http://schemas.microsoft.com/office/powerpoint/2010/main" val="2302220341"/>
               </p:ext>
             </p:extLst>
           </p:nvPr>
@@ -15817,7 +16089,7 @@
             <a:avLst/>
           </a:prstGeom>
           <a:solidFill>
-            <a:schemeClr val="accent2"/>
+            <a:srgbClr val="629DD2"/>
           </a:solidFill>
           <a:ln>
             <a:noFill/>
@@ -15830,12 +16102,28 @@
           <a:lstStyle/>
           <a:p>
             <a:r>
-              <a:rPr lang="en-US" sz="2000">
+              <a:rPr lang="en-US" sz="2000" dirty="0">
                 <a:solidFill>
                   <a:srgbClr val="FFFFFF"/>
                 </a:solidFill>
               </a:rPr>
-              <a:t>Part 4: Summary of results for  RF and MEtaDPI </a:t>
+              <a:t>Part 4: Summary of results for  RF and </a:t>
+            </a:r>
+            <a:r>
+              <a:rPr lang="en-US" sz="2000" dirty="0" err="1">
+                <a:solidFill>
+                  <a:srgbClr val="FFFFFF"/>
+                </a:solidFill>
+              </a:rPr>
+              <a:t>MEtaDPI</a:t>
+            </a:r>
+            <a:r>
+              <a:rPr lang="en-US" sz="2000" dirty="0">
+                <a:solidFill>
+                  <a:srgbClr val="FFFFFF"/>
+                </a:solidFill>
+              </a:rPr>
+              <a:t> </a:t>
             </a:r>
           </a:p>
         </p:txBody>
@@ -16044,7 +16332,7 @@
         </p:nvSpPr>
         <p:spPr>
           <a:xfrm>
-            <a:off x="4972050" y="1444109"/>
+            <a:off x="4303643" y="1281422"/>
             <a:ext cx="2986474" cy="369332"/>
           </a:xfrm>
           <a:prstGeom prst="rect">
@@ -16067,7 +16355,6 @@
               <a:rPr lang="en-US" dirty="0"/>
               <a:t>Average AUC and STDEV </a:t>
             </a:r>
-            <a:endParaRPr lang="en-US"/>
           </a:p>
         </p:txBody>
       </p:sp>
@@ -16086,14 +16373,14 @@
           <p:nvPr>
             <p:extLst>
               <p:ext uri="{D42A27DB-BD31-4B8C-83A1-F6EECF244321}">
-                <p14:modId xmlns:p14="http://schemas.microsoft.com/office/powerpoint/2010/main" val="1080703569"/>
+                <p14:modId xmlns:p14="http://schemas.microsoft.com/office/powerpoint/2010/main" val="1018352914"/>
               </p:ext>
             </p:extLst>
           </p:nvPr>
         </p:nvGraphicFramePr>
         <p:xfrm>
-          <a:off x="4361405" y="1549246"/>
-          <a:ext cx="6811419" cy="3665690"/>
+          <a:off x="4303643" y="1813441"/>
+          <a:ext cx="6811419" cy="3806101"/>
         </p:xfrm>
         <a:graphic>
           <a:graphicData uri="http://schemas.openxmlformats.org/drawingml/2006/table">
@@ -16145,7 +16432,7 @@
                   </a:extLst>
                 </a:gridCol>
               </a:tblGrid>
-              <a:tr h="671926">
+              <a:tr h="749650">
                 <a:tc>
                   <a:txBody>
                     <a:bodyPr/>
@@ -16153,10 +16440,22 @@
                     <a:p>
                       <a:pPr algn="l" fontAlgn="b"/>
                       <a:r>
+                        <a:rPr lang="he-IL" sz="1900" u="none" strike="noStrike" dirty="0" err="1">
+                          <a:effectLst/>
+                        </a:rPr>
+                        <a:t>T</a:t>
+                      </a:r>
+                      <a:r>
+                        <a:rPr lang="en-US" sz="1900" u="none" strike="noStrike" dirty="0" err="1">
+                          <a:effectLst/>
+                        </a:rPr>
+                        <a:t>est</a:t>
+                      </a:r>
+                      <a:r>
                         <a:rPr lang="en-US" sz="1900" u="none" strike="noStrike" dirty="0">
                           <a:effectLst/>
                         </a:rPr>
-                        <a:t>test </a:t>
+                        <a:t> </a:t>
                       </a:r>
                       <a:endParaRPr lang="en-US" sz="1900" b="0" i="0" u="none" strike="noStrike" dirty="0">
                         <a:solidFill>
@@ -16213,10 +16512,7 @@
                       <a:prstDash val="solid"/>
                     </a:lnBlToTr>
                     <a:solidFill>
-                      <a:schemeClr val="accent5">
-                        <a:lumMod val="60000"/>
-                        <a:lumOff val="40000"/>
-                      </a:schemeClr>
+                      <a:schemeClr val="bg2"/>
                     </a:solidFill>
                   </a:tcPr>
                 </a:tc>
@@ -16287,10 +16583,7 @@
                       <a:prstDash val="solid"/>
                     </a:lnBlToTr>
                     <a:solidFill>
-                      <a:schemeClr val="accent5">
-                        <a:lumMod val="60000"/>
-                        <a:lumOff val="40000"/>
-                      </a:schemeClr>
+                      <a:schemeClr val="bg2"/>
                     </a:solidFill>
                   </a:tcPr>
                 </a:tc>
@@ -16361,10 +16654,7 @@
                       <a:prstDash val="solid"/>
                     </a:lnBlToTr>
                     <a:solidFill>
-                      <a:schemeClr val="accent5">
-                        <a:lumMod val="60000"/>
-                        <a:lumOff val="40000"/>
-                      </a:schemeClr>
+                      <a:schemeClr val="bg2"/>
                     </a:solidFill>
                   </a:tcPr>
                 </a:tc>
@@ -16375,12 +16665,12 @@
                     <a:p>
                       <a:pPr algn="l" fontAlgn="b"/>
                       <a:r>
-                        <a:rPr lang="en-US" sz="1900" u="none" strike="noStrike">
+                        <a:rPr lang="en-US" sz="1900" u="none" strike="noStrike" dirty="0" err="1">
                           <a:effectLst/>
                         </a:rPr>
                         <a:t>Predus</a:t>
                       </a:r>
-                      <a:endParaRPr lang="en-US" sz="1900" b="0" i="0" u="none" strike="noStrike">
+                      <a:endParaRPr lang="en-US" sz="1900" b="0" i="0" u="none" strike="noStrike" dirty="0">
                         <a:solidFill>
                           <a:srgbClr val="000000"/>
                         </a:solidFill>
@@ -16435,10 +16725,7 @@
                       <a:prstDash val="solid"/>
                     </a:lnBlToTr>
                     <a:solidFill>
-                      <a:schemeClr val="accent5">
-                        <a:lumMod val="60000"/>
-                        <a:lumOff val="40000"/>
-                      </a:schemeClr>
+                      <a:schemeClr val="bg2"/>
                     </a:solidFill>
                   </a:tcPr>
                 </a:tc>
@@ -16509,10 +16796,7 @@
                       <a:prstDash val="solid"/>
                     </a:lnBlToTr>
                     <a:solidFill>
-                      <a:schemeClr val="accent5">
-                        <a:lumMod val="60000"/>
-                        <a:lumOff val="40000"/>
-                      </a:schemeClr>
+                      <a:schemeClr val="bg2"/>
                     </a:solidFill>
                   </a:tcPr>
                 </a:tc>
@@ -16583,10 +16867,7 @@
                       <a:prstDash val="solid"/>
                     </a:lnBlToTr>
                     <a:solidFill>
-                      <a:schemeClr val="accent5">
-                        <a:lumMod val="60000"/>
-                        <a:lumOff val="40000"/>
-                      </a:schemeClr>
+                      <a:schemeClr val="bg2"/>
                     </a:solidFill>
                   </a:tcPr>
                 </a:tc>
@@ -16664,10 +16945,7 @@
                       <a:prstDash val="solid"/>
                     </a:lnBlToTr>
                     <a:solidFill>
-                      <a:schemeClr val="accent5">
-                        <a:lumMod val="60000"/>
-                        <a:lumOff val="40000"/>
-                      </a:schemeClr>
+                      <a:schemeClr val="bg2"/>
                     </a:solidFill>
                   </a:tcPr>
                 </a:tc>
@@ -16738,10 +17016,7 @@
                       <a:prstDash val="solid"/>
                     </a:lnBlToTr>
                     <a:solidFill>
-                      <a:schemeClr val="accent5">
-                        <a:lumMod val="60000"/>
-                        <a:lumOff val="40000"/>
-                      </a:schemeClr>
+                      <a:schemeClr val="bg2"/>
                     </a:solidFill>
                   </a:tcPr>
                 </a:tc>
@@ -16812,10 +17087,7 @@
                       <a:prstDash val="solid"/>
                     </a:lnBlToTr>
                     <a:solidFill>
-                      <a:schemeClr val="accent5">
-                        <a:lumMod val="60000"/>
-                        <a:lumOff val="40000"/>
-                      </a:schemeClr>
+                      <a:schemeClr val="bg2"/>
                     </a:solidFill>
                   </a:tcPr>
                 </a:tc>
@@ -16825,13 +17097,29 @@
                     <a:lstStyle/>
                     <a:p>
                       <a:pPr algn="l" fontAlgn="b"/>
-                      <a:endParaRPr lang="en-US" sz="1900" b="0" i="0" u="none" strike="noStrike">
-                        <a:solidFill>
-                          <a:srgbClr val="000000"/>
-                        </a:solidFill>
-                        <a:effectLst/>
-                        <a:latin typeface="Calibri" panose="020F0502020204030204" pitchFamily="34" charset="0"/>
-                      </a:endParaRPr>
+                      <a:r>
+                        <a:rPr lang="en-US" sz="1900" b="0" i="0" u="none" strike="noStrike" dirty="0">
+                          <a:solidFill>
+                            <a:srgbClr val="000000"/>
+                          </a:solidFill>
+                          <a:effectLst/>
+                          <a:latin typeface="Calibri" panose="020F0502020204030204" pitchFamily="34" charset="0"/>
+                        </a:rPr>
+                        <a:t>0.696</a:t>
+                      </a:r>
+                    </a:p>
+                    <a:p>
+                      <a:pPr algn="l" fontAlgn="b"/>
+                      <a:r>
+                        <a:rPr lang="en-US" sz="1900" b="0" i="0" u="none" strike="noStrike" dirty="0">
+                          <a:solidFill>
+                            <a:srgbClr val="000000"/>
+                          </a:solidFill>
+                          <a:effectLst/>
+                          <a:latin typeface="Calibri" panose="020F0502020204030204" pitchFamily="34" charset="0"/>
+                        </a:rPr>
+                        <a:t>(0.043)</a:t>
+                      </a:r>
                     </a:p>
                   </a:txBody>
                   <a:tcPr marL="13061" marR="13061" marT="13061" marB="0" anchor="b">
@@ -16880,10 +17168,7 @@
                       <a:prstDash val="solid"/>
                     </a:lnBlToTr>
                     <a:solidFill>
-                      <a:schemeClr val="accent5">
-                        <a:lumMod val="60000"/>
-                        <a:lumOff val="40000"/>
-                      </a:schemeClr>
+                      <a:schemeClr val="bg2"/>
                     </a:solidFill>
                   </a:tcPr>
                 </a:tc>
@@ -16893,13 +17178,29 @@
                     <a:lstStyle/>
                     <a:p>
                       <a:pPr algn="l" fontAlgn="b"/>
-                      <a:endParaRPr lang="en-US" sz="1900" b="0" i="0" u="none" strike="noStrike">
-                        <a:solidFill>
-                          <a:srgbClr val="000000"/>
-                        </a:solidFill>
-                        <a:effectLst/>
-                        <a:latin typeface="Calibri" panose="020F0502020204030204" pitchFamily="34" charset="0"/>
-                      </a:endParaRPr>
+                      <a:r>
+                        <a:rPr lang="en-US" sz="1900" b="0" i="0" u="none" strike="noStrike" dirty="0">
+                          <a:solidFill>
+                            <a:srgbClr val="000000"/>
+                          </a:solidFill>
+                          <a:effectLst/>
+                          <a:latin typeface="Calibri" panose="020F0502020204030204" pitchFamily="34" charset="0"/>
+                        </a:rPr>
+                        <a:t>0.808</a:t>
+                      </a:r>
+                    </a:p>
+                    <a:p>
+                      <a:pPr algn="l" fontAlgn="b"/>
+                      <a:r>
+                        <a:rPr lang="en-US" sz="1900" b="0" i="0" u="none" strike="noStrike" dirty="0">
+                          <a:solidFill>
+                            <a:srgbClr val="000000"/>
+                          </a:solidFill>
+                          <a:effectLst/>
+                          <a:latin typeface="Calibri" panose="020F0502020204030204" pitchFamily="34" charset="0"/>
+                        </a:rPr>
+                        <a:t>(0.016)</a:t>
+                      </a:r>
                     </a:p>
                   </a:txBody>
                   <a:tcPr marL="13061" marR="13061" marT="13061" marB="0" anchor="b">
@@ -16948,10 +17249,7 @@
                       <a:prstDash val="solid"/>
                     </a:lnBlToTr>
                     <a:solidFill>
-                      <a:schemeClr val="accent5">
-                        <a:lumMod val="60000"/>
-                        <a:lumOff val="40000"/>
-                      </a:schemeClr>
+                      <a:schemeClr val="bg2"/>
                     </a:solidFill>
                   </a:tcPr>
                 </a:tc>
@@ -16961,13 +17259,29 @@
                     <a:lstStyle/>
                     <a:p>
                       <a:pPr algn="l" fontAlgn="b"/>
-                      <a:endParaRPr lang="en-US" sz="1900" b="0" i="0" u="none" strike="noStrike">
-                        <a:solidFill>
-                          <a:srgbClr val="000000"/>
-                        </a:solidFill>
-                        <a:effectLst/>
-                        <a:latin typeface="Calibri" panose="020F0502020204030204" pitchFamily="34" charset="0"/>
-                      </a:endParaRPr>
+                      <a:r>
+                        <a:rPr lang="en-US" sz="1900" b="0" i="0" u="none" strike="noStrike" dirty="0">
+                          <a:solidFill>
+                            <a:srgbClr val="000000"/>
+                          </a:solidFill>
+                          <a:effectLst/>
+                          <a:latin typeface="Calibri" panose="020F0502020204030204" pitchFamily="34" charset="0"/>
+                        </a:rPr>
+                        <a:t>0.801</a:t>
+                      </a:r>
+                    </a:p>
+                    <a:p>
+                      <a:pPr algn="l" fontAlgn="b"/>
+                      <a:r>
+                        <a:rPr lang="en-US" sz="1900" b="0" i="0" u="none" strike="noStrike" dirty="0">
+                          <a:solidFill>
+                            <a:srgbClr val="000000"/>
+                          </a:solidFill>
+                          <a:effectLst/>
+                          <a:latin typeface="Calibri" panose="020F0502020204030204" pitchFamily="34" charset="0"/>
+                        </a:rPr>
+                        <a:t>(0.050))</a:t>
+                      </a:r>
                     </a:p>
                   </a:txBody>
                   <a:tcPr marL="13061" marR="13061" marT="13061" marB="0" anchor="b">
@@ -17016,10 +17330,7 @@
                       <a:prstDash val="solid"/>
                     </a:lnBlToTr>
                     <a:solidFill>
-                      <a:schemeClr val="accent5">
-                        <a:lumMod val="60000"/>
-                        <a:lumOff val="40000"/>
-                      </a:schemeClr>
+                      <a:schemeClr val="bg2"/>
                     </a:solidFill>
                   </a:tcPr>
                 </a:tc>
@@ -17097,10 +17408,7 @@
                       <a:prstDash val="solid"/>
                     </a:lnBlToTr>
                     <a:solidFill>
-                      <a:schemeClr val="accent5">
-                        <a:lumMod val="60000"/>
-                        <a:lumOff val="40000"/>
-                      </a:schemeClr>
+                      <a:schemeClr val="bg2"/>
                     </a:solidFill>
                   </a:tcPr>
                 </a:tc>
@@ -17171,10 +17479,7 @@
                       <a:prstDash val="solid"/>
                     </a:lnBlToTr>
                     <a:solidFill>
-                      <a:schemeClr val="accent5">
-                        <a:lumMod val="60000"/>
-                        <a:lumOff val="40000"/>
-                      </a:schemeClr>
+                      <a:schemeClr val="bg2"/>
                     </a:solidFill>
                   </a:tcPr>
                 </a:tc>
@@ -17188,7 +17493,7 @@
                         <a:rPr lang="en-US" sz="1900" u="none" strike="noStrike" dirty="0">
                           <a:effectLst/>
                         </a:rPr>
-                        <a:t>0.854 (0.032)</a:t>
+                        <a:t>0.854 (0.026)</a:t>
                       </a:r>
                       <a:endParaRPr lang="en-US" sz="1900" b="0" i="0" u="none" strike="noStrike" dirty="0">
                         <a:solidFill>
@@ -17245,10 +17550,7 @@
                       <a:prstDash val="solid"/>
                     </a:lnBlToTr>
                     <a:solidFill>
-                      <a:schemeClr val="accent5">
-                        <a:lumMod val="60000"/>
-                        <a:lumOff val="40000"/>
-                      </a:schemeClr>
+                      <a:schemeClr val="bg2"/>
                     </a:solidFill>
                   </a:tcPr>
                 </a:tc>
@@ -17258,6 +17560,262 @@
                     <a:lstStyle/>
                     <a:p>
                       <a:pPr algn="l" fontAlgn="b"/>
+                      <a:r>
+                        <a:rPr lang="en-US" sz="1900" b="0" i="0" u="none" strike="noStrike" dirty="0">
+                          <a:solidFill>
+                            <a:srgbClr val="000000"/>
+                          </a:solidFill>
+                          <a:effectLst/>
+                          <a:latin typeface="Calibri" panose="020F0502020204030204" pitchFamily="34" charset="0"/>
+                        </a:rPr>
+                        <a:t>0.697 </a:t>
+                      </a:r>
+                    </a:p>
+                    <a:p>
+                      <a:pPr algn="l" fontAlgn="b"/>
+                      <a:r>
+                        <a:rPr lang="en-US" sz="1900" b="0" i="0" u="none" strike="noStrike" dirty="0">
+                          <a:solidFill>
+                            <a:srgbClr val="000000"/>
+                          </a:solidFill>
+                          <a:effectLst/>
+                          <a:latin typeface="Calibri" panose="020F0502020204030204" pitchFamily="34" charset="0"/>
+                        </a:rPr>
+                        <a:t>(0.046)</a:t>
+                      </a:r>
+                    </a:p>
+                  </a:txBody>
+                  <a:tcPr marL="13061" marR="13061" marT="13061" marB="0" anchor="b">
+                    <a:lnL w="12700" cap="flat" cmpd="sng" algn="ctr">
+                      <a:solidFill>
+                        <a:schemeClr val="tx1"/>
+                      </a:solidFill>
+                      <a:prstDash val="solid"/>
+                      <a:round/>
+                      <a:headEnd type="none" w="med" len="med"/>
+                      <a:tailEnd type="none" w="med" len="med"/>
+                    </a:lnL>
+                    <a:lnR w="12700" cap="flat" cmpd="sng" algn="ctr">
+                      <a:solidFill>
+                        <a:schemeClr val="tx1"/>
+                      </a:solidFill>
+                      <a:prstDash val="solid"/>
+                      <a:round/>
+                      <a:headEnd type="none" w="med" len="med"/>
+                      <a:tailEnd type="none" w="med" len="med"/>
+                    </a:lnR>
+                    <a:lnT w="12700" cap="flat" cmpd="sng" algn="ctr">
+                      <a:solidFill>
+                        <a:schemeClr val="tx1"/>
+                      </a:solidFill>
+                      <a:prstDash val="solid"/>
+                      <a:round/>
+                      <a:headEnd type="none" w="med" len="med"/>
+                      <a:tailEnd type="none" w="med" len="med"/>
+                    </a:lnT>
+                    <a:lnB w="12700" cap="flat" cmpd="sng" algn="ctr">
+                      <a:solidFill>
+                        <a:schemeClr val="tx1"/>
+                      </a:solidFill>
+                      <a:prstDash val="solid"/>
+                      <a:round/>
+                      <a:headEnd type="none" w="med" len="med"/>
+                      <a:tailEnd type="none" w="med" len="med"/>
+                    </a:lnB>
+                    <a:lnTlToBr w="12700" cmpd="sng">
+                      <a:noFill/>
+                      <a:prstDash val="solid"/>
+                    </a:lnTlToBr>
+                    <a:lnBlToTr w="12700" cmpd="sng">
+                      <a:noFill/>
+                      <a:prstDash val="solid"/>
+                    </a:lnBlToTr>
+                    <a:solidFill>
+                      <a:schemeClr val="bg2"/>
+                    </a:solidFill>
+                  </a:tcPr>
+                </a:tc>
+                <a:tc>
+                  <a:txBody>
+                    <a:bodyPr/>
+                    <a:lstStyle/>
+                    <a:p>
+                      <a:pPr algn="l" fontAlgn="b"/>
+                      <a:r>
+                        <a:rPr lang="en-US" sz="1900" b="0" i="0" u="none" strike="noStrike" dirty="0">
+                          <a:solidFill>
+                            <a:srgbClr val="000000"/>
+                          </a:solidFill>
+                          <a:effectLst/>
+                          <a:latin typeface="Calibri" panose="020F0502020204030204" pitchFamily="34" charset="0"/>
+                        </a:rPr>
+                        <a:t>0.808</a:t>
+                      </a:r>
+                    </a:p>
+                    <a:p>
+                      <a:pPr algn="l" fontAlgn="b"/>
+                      <a:r>
+                        <a:rPr lang="en-US" sz="1900" b="0" i="0" u="none" strike="noStrike" dirty="0">
+                          <a:solidFill>
+                            <a:srgbClr val="000000"/>
+                          </a:solidFill>
+                          <a:effectLst/>
+                          <a:latin typeface="Calibri" panose="020F0502020204030204" pitchFamily="34" charset="0"/>
+                        </a:rPr>
+                        <a:t>(0.021)</a:t>
+                      </a:r>
+                    </a:p>
+                  </a:txBody>
+                  <a:tcPr marL="13061" marR="13061" marT="13061" marB="0" anchor="b">
+                    <a:lnL w="12700" cap="flat" cmpd="sng" algn="ctr">
+                      <a:solidFill>
+                        <a:schemeClr val="tx1"/>
+                      </a:solidFill>
+                      <a:prstDash val="solid"/>
+                      <a:round/>
+                      <a:headEnd type="none" w="med" len="med"/>
+                      <a:tailEnd type="none" w="med" len="med"/>
+                    </a:lnL>
+                    <a:lnR w="12700" cap="flat" cmpd="sng" algn="ctr">
+                      <a:solidFill>
+                        <a:schemeClr val="tx1"/>
+                      </a:solidFill>
+                      <a:prstDash val="solid"/>
+                      <a:round/>
+                      <a:headEnd type="none" w="med" len="med"/>
+                      <a:tailEnd type="none" w="med" len="med"/>
+                    </a:lnR>
+                    <a:lnT w="12700" cap="flat" cmpd="sng" algn="ctr">
+                      <a:solidFill>
+                        <a:schemeClr val="tx1"/>
+                      </a:solidFill>
+                      <a:prstDash val="solid"/>
+                      <a:round/>
+                      <a:headEnd type="none" w="med" len="med"/>
+                      <a:tailEnd type="none" w="med" len="med"/>
+                    </a:lnT>
+                    <a:lnB w="12700" cap="flat" cmpd="sng" algn="ctr">
+                      <a:solidFill>
+                        <a:schemeClr val="tx1"/>
+                      </a:solidFill>
+                      <a:prstDash val="solid"/>
+                      <a:round/>
+                      <a:headEnd type="none" w="med" len="med"/>
+                      <a:tailEnd type="none" w="med" len="med"/>
+                    </a:lnB>
+                    <a:lnTlToBr w="12700" cmpd="sng">
+                      <a:noFill/>
+                      <a:prstDash val="solid"/>
+                    </a:lnTlToBr>
+                    <a:lnBlToTr w="12700" cmpd="sng">
+                      <a:noFill/>
+                      <a:prstDash val="solid"/>
+                    </a:lnBlToTr>
+                    <a:solidFill>
+                      <a:schemeClr val="bg2"/>
+                    </a:solidFill>
+                  </a:tcPr>
+                </a:tc>
+                <a:tc>
+                  <a:txBody>
+                    <a:bodyPr/>
+                    <a:lstStyle/>
+                    <a:p>
+                      <a:pPr algn="l" fontAlgn="b"/>
+                      <a:r>
+                        <a:rPr lang="en-US" sz="1900" b="0" i="0" u="none" strike="noStrike" dirty="0">
+                          <a:solidFill>
+                            <a:srgbClr val="000000"/>
+                          </a:solidFill>
+                          <a:effectLst/>
+                          <a:latin typeface="Calibri" panose="020F0502020204030204" pitchFamily="34" charset="0"/>
+                        </a:rPr>
+                        <a:t>0.803</a:t>
+                      </a:r>
+                    </a:p>
+                    <a:p>
+                      <a:pPr algn="l" fontAlgn="b"/>
+                      <a:r>
+                        <a:rPr lang="en-US" sz="1900" b="0" i="0" u="none" strike="noStrike" dirty="0">
+                          <a:solidFill>
+                            <a:srgbClr val="000000"/>
+                          </a:solidFill>
+                          <a:effectLst/>
+                          <a:latin typeface="Calibri" panose="020F0502020204030204" pitchFamily="34" charset="0"/>
+                        </a:rPr>
+                        <a:t>(0.064)</a:t>
+                      </a:r>
+                    </a:p>
+                  </a:txBody>
+                  <a:tcPr marL="13061" marR="13061" marT="13061" marB="0" anchor="b">
+                    <a:lnL w="12700" cap="flat" cmpd="sng" algn="ctr">
+                      <a:solidFill>
+                        <a:schemeClr val="tx1"/>
+                      </a:solidFill>
+                      <a:prstDash val="solid"/>
+                      <a:round/>
+                      <a:headEnd type="none" w="med" len="med"/>
+                      <a:tailEnd type="none" w="med" len="med"/>
+                    </a:lnL>
+                    <a:lnR w="12700" cap="flat" cmpd="sng" algn="ctr">
+                      <a:solidFill>
+                        <a:schemeClr val="tx1"/>
+                      </a:solidFill>
+                      <a:prstDash val="solid"/>
+                      <a:round/>
+                      <a:headEnd type="none" w="med" len="med"/>
+                      <a:tailEnd type="none" w="med" len="med"/>
+                    </a:lnR>
+                    <a:lnT w="12700" cap="flat" cmpd="sng" algn="ctr">
+                      <a:solidFill>
+                        <a:schemeClr val="tx1"/>
+                      </a:solidFill>
+                      <a:prstDash val="solid"/>
+                      <a:round/>
+                      <a:headEnd type="none" w="med" len="med"/>
+                      <a:tailEnd type="none" w="med" len="med"/>
+                    </a:lnT>
+                    <a:lnB w="12700" cap="flat" cmpd="sng" algn="ctr">
+                      <a:solidFill>
+                        <a:schemeClr val="tx1"/>
+                      </a:solidFill>
+                      <a:prstDash val="solid"/>
+                      <a:round/>
+                      <a:headEnd type="none" w="med" len="med"/>
+                      <a:tailEnd type="none" w="med" len="med"/>
+                    </a:lnB>
+                    <a:lnTlToBr w="12700" cmpd="sng">
+                      <a:noFill/>
+                      <a:prstDash val="solid"/>
+                    </a:lnTlToBr>
+                    <a:lnBlToTr w="12700" cmpd="sng">
+                      <a:noFill/>
+                      <a:prstDash val="solid"/>
+                    </a:lnBlToTr>
+                    <a:solidFill>
+                      <a:schemeClr val="bg2"/>
+                    </a:solidFill>
+                  </a:tcPr>
+                </a:tc>
+                <a:extLst>
+                  <a:ext uri="{0D108BD9-81ED-4DB2-BD59-A6C34878D82A}">
+                    <a16:rowId xmlns:a16="http://schemas.microsoft.com/office/drawing/2014/main" val="868751646"/>
+                  </a:ext>
+                </a:extLst>
+              </a:tr>
+              <a:tr h="671926">
+                <a:tc>
+                  <a:txBody>
+                    <a:bodyPr/>
+                    <a:lstStyle/>
+                    <a:p>
+                      <a:pPr algn="l" fontAlgn="b"/>
+                      <a:r>
+                        <a:rPr lang="en-US" sz="1900" u="none" strike="noStrike" dirty="0">
+                          <a:effectLst/>
+                        </a:rPr>
+                        <a:t>LOUCV (antigens)</a:t>
+                      </a:r>
                       <a:endParaRPr lang="en-US" sz="1900" b="0" i="0" u="none" strike="noStrike" dirty="0">
                         <a:solidFill>
                           <a:srgbClr val="000000"/>
@@ -17313,227 +17871,7 @@
                       <a:prstDash val="solid"/>
                     </a:lnBlToTr>
                     <a:solidFill>
-                      <a:schemeClr val="accent5">
-                        <a:lumMod val="60000"/>
-                        <a:lumOff val="40000"/>
-                      </a:schemeClr>
-                    </a:solidFill>
-                  </a:tcPr>
-                </a:tc>
-                <a:tc>
-                  <a:txBody>
-                    <a:bodyPr/>
-                    <a:lstStyle/>
-                    <a:p>
-                      <a:pPr algn="l" fontAlgn="b"/>
-                      <a:endParaRPr lang="en-US" sz="1900" b="0" i="0" u="none" strike="noStrike" dirty="0">
-                        <a:solidFill>
-                          <a:srgbClr val="000000"/>
-                        </a:solidFill>
-                        <a:effectLst/>
-                        <a:latin typeface="Calibri" panose="020F0502020204030204" pitchFamily="34" charset="0"/>
-                      </a:endParaRPr>
-                    </a:p>
-                  </a:txBody>
-                  <a:tcPr marL="13061" marR="13061" marT="13061" marB="0" anchor="b">
-                    <a:lnL w="12700" cap="flat" cmpd="sng" algn="ctr">
-                      <a:solidFill>
-                        <a:schemeClr val="tx1"/>
-                      </a:solidFill>
-                      <a:prstDash val="solid"/>
-                      <a:round/>
-                      <a:headEnd type="none" w="med" len="med"/>
-                      <a:tailEnd type="none" w="med" len="med"/>
-                    </a:lnL>
-                    <a:lnR w="12700" cap="flat" cmpd="sng" algn="ctr">
-                      <a:solidFill>
-                        <a:schemeClr val="tx1"/>
-                      </a:solidFill>
-                      <a:prstDash val="solid"/>
-                      <a:round/>
-                      <a:headEnd type="none" w="med" len="med"/>
-                      <a:tailEnd type="none" w="med" len="med"/>
-                    </a:lnR>
-                    <a:lnT w="12700" cap="flat" cmpd="sng" algn="ctr">
-                      <a:solidFill>
-                        <a:schemeClr val="tx1"/>
-                      </a:solidFill>
-                      <a:prstDash val="solid"/>
-                      <a:round/>
-                      <a:headEnd type="none" w="med" len="med"/>
-                      <a:tailEnd type="none" w="med" len="med"/>
-                    </a:lnT>
-                    <a:lnB w="12700" cap="flat" cmpd="sng" algn="ctr">
-                      <a:solidFill>
-                        <a:schemeClr val="tx1"/>
-                      </a:solidFill>
-                      <a:prstDash val="solid"/>
-                      <a:round/>
-                      <a:headEnd type="none" w="med" len="med"/>
-                      <a:tailEnd type="none" w="med" len="med"/>
-                    </a:lnB>
-                    <a:lnTlToBr w="12700" cmpd="sng">
-                      <a:noFill/>
-                      <a:prstDash val="solid"/>
-                    </a:lnTlToBr>
-                    <a:lnBlToTr w="12700" cmpd="sng">
-                      <a:noFill/>
-                      <a:prstDash val="solid"/>
-                    </a:lnBlToTr>
-                    <a:solidFill>
-                      <a:schemeClr val="accent5">
-                        <a:lumMod val="60000"/>
-                        <a:lumOff val="40000"/>
-                      </a:schemeClr>
-                    </a:solidFill>
-                  </a:tcPr>
-                </a:tc>
-                <a:tc>
-                  <a:txBody>
-                    <a:bodyPr/>
-                    <a:lstStyle/>
-                    <a:p>
-                      <a:pPr algn="l" fontAlgn="b"/>
-                      <a:endParaRPr lang="en-US" sz="1900" b="0" i="0" u="none" strike="noStrike">
-                        <a:solidFill>
-                          <a:srgbClr val="000000"/>
-                        </a:solidFill>
-                        <a:effectLst/>
-                        <a:latin typeface="Calibri" panose="020F0502020204030204" pitchFamily="34" charset="0"/>
-                      </a:endParaRPr>
-                    </a:p>
-                  </a:txBody>
-                  <a:tcPr marL="13061" marR="13061" marT="13061" marB="0" anchor="b">
-                    <a:lnL w="12700" cap="flat" cmpd="sng" algn="ctr">
-                      <a:solidFill>
-                        <a:schemeClr val="tx1"/>
-                      </a:solidFill>
-                      <a:prstDash val="solid"/>
-                      <a:round/>
-                      <a:headEnd type="none" w="med" len="med"/>
-                      <a:tailEnd type="none" w="med" len="med"/>
-                    </a:lnL>
-                    <a:lnR w="12700" cap="flat" cmpd="sng" algn="ctr">
-                      <a:solidFill>
-                        <a:schemeClr val="tx1"/>
-                      </a:solidFill>
-                      <a:prstDash val="solid"/>
-                      <a:round/>
-                      <a:headEnd type="none" w="med" len="med"/>
-                      <a:tailEnd type="none" w="med" len="med"/>
-                    </a:lnR>
-                    <a:lnT w="12700" cap="flat" cmpd="sng" algn="ctr">
-                      <a:solidFill>
-                        <a:schemeClr val="tx1"/>
-                      </a:solidFill>
-                      <a:prstDash val="solid"/>
-                      <a:round/>
-                      <a:headEnd type="none" w="med" len="med"/>
-                      <a:tailEnd type="none" w="med" len="med"/>
-                    </a:lnT>
-                    <a:lnB w="12700" cap="flat" cmpd="sng" algn="ctr">
-                      <a:solidFill>
-                        <a:schemeClr val="tx1"/>
-                      </a:solidFill>
-                      <a:prstDash val="solid"/>
-                      <a:round/>
-                      <a:headEnd type="none" w="med" len="med"/>
-                      <a:tailEnd type="none" w="med" len="med"/>
-                    </a:lnB>
-                    <a:lnTlToBr w="12700" cmpd="sng">
-                      <a:noFill/>
-                      <a:prstDash val="solid"/>
-                    </a:lnTlToBr>
-                    <a:lnBlToTr w="12700" cmpd="sng">
-                      <a:noFill/>
-                      <a:prstDash val="solid"/>
-                    </a:lnBlToTr>
-                    <a:solidFill>
-                      <a:schemeClr val="accent5">
-                        <a:lumMod val="60000"/>
-                        <a:lumOff val="40000"/>
-                      </a:schemeClr>
-                    </a:solidFill>
-                  </a:tcPr>
-                </a:tc>
-                <a:extLst>
-                  <a:ext uri="{0D108BD9-81ED-4DB2-BD59-A6C34878D82A}">
-                    <a16:rowId xmlns:a16="http://schemas.microsoft.com/office/drawing/2014/main" val="868751646"/>
-                  </a:ext>
-                </a:extLst>
-              </a:tr>
-              <a:tr h="671926">
-                <a:tc>
-                  <a:txBody>
-                    <a:bodyPr/>
-                    <a:lstStyle/>
-                    <a:p>
-                      <a:pPr algn="l" fontAlgn="b"/>
-                      <a:r>
-                        <a:rPr lang="en-US" sz="1900" u="none" strike="noStrike">
-                          <a:effectLst/>
-                        </a:rPr>
-                        <a:t>LOUCV (antigens)</a:t>
-                      </a:r>
-                      <a:endParaRPr lang="en-US" sz="1900" b="0" i="0" u="none" strike="noStrike">
-                        <a:solidFill>
-                          <a:srgbClr val="000000"/>
-                        </a:solidFill>
-                        <a:effectLst/>
-                        <a:latin typeface="Calibri" panose="020F0502020204030204" pitchFamily="34" charset="0"/>
-                      </a:endParaRPr>
-                    </a:p>
-                  </a:txBody>
-                  <a:tcPr marL="13061" marR="13061" marT="13061" marB="0" anchor="b">
-                    <a:lnL w="12700" cap="flat" cmpd="sng" algn="ctr">
-                      <a:solidFill>
-                        <a:schemeClr val="tx1"/>
-                      </a:solidFill>
-                      <a:prstDash val="solid"/>
-                      <a:round/>
-                      <a:headEnd type="none" w="med" len="med"/>
-                      <a:tailEnd type="none" w="med" len="med"/>
-                    </a:lnL>
-                    <a:lnR w="12700" cap="flat" cmpd="sng" algn="ctr">
-                      <a:solidFill>
-                        <a:schemeClr val="tx1"/>
-                      </a:solidFill>
-                      <a:prstDash val="solid"/>
-                      <a:round/>
-                      <a:headEnd type="none" w="med" len="med"/>
-                      <a:tailEnd type="none" w="med" len="med"/>
-                    </a:lnR>
-                    <a:lnT w="12700" cap="flat" cmpd="sng" algn="ctr">
-                      <a:solidFill>
-                        <a:schemeClr val="tx1"/>
-                      </a:solidFill>
-                      <a:prstDash val="solid"/>
-                      <a:round/>
-                      <a:headEnd type="none" w="med" len="med"/>
-                      <a:tailEnd type="none" w="med" len="med"/>
-                    </a:lnT>
-                    <a:lnB w="12700" cap="flat" cmpd="sng" algn="ctr">
-                      <a:solidFill>
-                        <a:schemeClr val="tx1"/>
-                      </a:solidFill>
-                      <a:prstDash val="solid"/>
-                      <a:round/>
-                      <a:headEnd type="none" w="med" len="med"/>
-                      <a:tailEnd type="none" w="med" len="med"/>
-                    </a:lnB>
-                    <a:lnTlToBr w="12700" cmpd="sng">
-                      <a:noFill/>
-                      <a:prstDash val="solid"/>
-                    </a:lnTlToBr>
-                    <a:lnBlToTr w="12700" cmpd="sng">
-                      <a:noFill/>
-                      <a:prstDash val="solid"/>
-                    </a:lnBlToTr>
-                    <a:solidFill>
-                      <a:schemeClr val="accent5">
-                        <a:lumMod val="60000"/>
-                        <a:lumOff val="40000"/>
-                      </a:schemeClr>
+                      <a:schemeClr val="bg2"/>
                     </a:solidFill>
                   </a:tcPr>
                 </a:tc>
@@ -17604,10 +17942,7 @@
                       <a:prstDash val="solid"/>
                     </a:lnBlToTr>
                     <a:solidFill>
-                      <a:schemeClr val="accent5">
-                        <a:lumMod val="60000"/>
-                        <a:lumOff val="40000"/>
-                      </a:schemeClr>
+                      <a:schemeClr val="bg2"/>
                     </a:solidFill>
                   </a:tcPr>
                 </a:tc>
@@ -17678,10 +18013,7 @@
                       <a:prstDash val="solid"/>
                     </a:lnBlToTr>
                     <a:solidFill>
-                      <a:schemeClr val="accent5">
-                        <a:lumMod val="60000"/>
-                        <a:lumOff val="40000"/>
-                      </a:schemeClr>
+                      <a:schemeClr val="bg2"/>
                     </a:solidFill>
                   </a:tcPr>
                 </a:tc>
@@ -17752,10 +18084,7 @@
                       <a:prstDash val="solid"/>
                     </a:lnBlToTr>
                     <a:solidFill>
-                      <a:schemeClr val="accent5">
-                        <a:lumMod val="60000"/>
-                        <a:lumOff val="40000"/>
-                      </a:schemeClr>
+                      <a:schemeClr val="bg2"/>
                     </a:solidFill>
                   </a:tcPr>
                 </a:tc>
@@ -17826,10 +18155,7 @@
                       <a:prstDash val="solid"/>
                     </a:lnBlToTr>
                     <a:solidFill>
-                      <a:schemeClr val="accent5">
-                        <a:lumMod val="60000"/>
-                        <a:lumOff val="40000"/>
-                      </a:schemeClr>
+                      <a:schemeClr val="bg2"/>
                     </a:solidFill>
                   </a:tcPr>
                 </a:tc>
@@ -17900,10 +18226,7 @@
                       <a:prstDash val="solid"/>
                     </a:lnBlToTr>
                     <a:solidFill>
-                      <a:schemeClr val="accent5">
-                        <a:lumMod val="60000"/>
-                        <a:lumOff val="40000"/>
-                      </a:schemeClr>
+                      <a:schemeClr val="bg2"/>
                     </a:solidFill>
                   </a:tcPr>
                 </a:tc>
@@ -17913,7 +18236,7 @@
                   </a:ext>
                 </a:extLst>
               </a:tr>
-              <a:tr h="977986">
+              <a:tr h="1040673">
                 <a:tc>
                   <a:txBody>
                     <a:bodyPr/>
@@ -17921,12 +18244,24 @@
                     <a:p>
                       <a:pPr algn="l" fontAlgn="b"/>
                       <a:r>
-                        <a:rPr lang="en-US" sz="1900" u="none" strike="noStrike">
+                        <a:rPr lang="en-US" sz="1900" u="none" strike="noStrike" dirty="0">
                           <a:effectLst/>
                         </a:rPr>
-                        <a:t>Train on DB/Nox test on antigens </a:t>
+                        <a:t>Train on DB/</a:t>
                       </a:r>
-                      <a:endParaRPr lang="en-US" sz="1900" b="0" i="0" u="none" strike="noStrike">
+                      <a:r>
+                        <a:rPr lang="en-US" sz="1900" u="none" strike="noStrike" dirty="0" err="1">
+                          <a:effectLst/>
+                        </a:rPr>
+                        <a:t>Nox</a:t>
+                      </a:r>
+                      <a:r>
+                        <a:rPr lang="en-US" sz="1900" u="none" strike="noStrike" dirty="0">
+                          <a:effectLst/>
+                        </a:rPr>
+                        <a:t> test on antigens </a:t>
+                      </a:r>
+                      <a:endParaRPr lang="en-US" sz="1900" b="0" i="0" u="none" strike="noStrike" dirty="0">
                         <a:solidFill>
                           <a:srgbClr val="000000"/>
                         </a:solidFill>
@@ -17981,10 +18316,7 @@
                       <a:prstDash val="solid"/>
                     </a:lnBlToTr>
                     <a:solidFill>
-                      <a:schemeClr val="accent5">
-                        <a:lumMod val="60000"/>
-                        <a:lumOff val="40000"/>
-                      </a:schemeClr>
+                      <a:schemeClr val="bg2"/>
                     </a:solidFill>
                   </a:tcPr>
                 </a:tc>
@@ -18055,10 +18387,7 @@
                       <a:prstDash val="solid"/>
                     </a:lnBlToTr>
                     <a:solidFill>
-                      <a:schemeClr val="accent5">
-                        <a:lumMod val="60000"/>
-                        <a:lumOff val="40000"/>
-                      </a:schemeClr>
+                      <a:schemeClr val="bg2"/>
                     </a:solidFill>
                   </a:tcPr>
                 </a:tc>
@@ -18069,12 +18398,12 @@
                     <a:p>
                       <a:pPr algn="r" fontAlgn="b"/>
                       <a:r>
-                        <a:rPr lang="en-US" sz="1900" u="none" strike="noStrike">
+                        <a:rPr lang="en-US" sz="1900" u="none" strike="noStrike" dirty="0">
                           <a:effectLst/>
                         </a:rPr>
                         <a:t>0.746</a:t>
                       </a:r>
-                      <a:endParaRPr lang="en-US" sz="1900" b="0" i="0" u="none" strike="noStrike">
+                      <a:endParaRPr lang="en-US" sz="1900" b="0" i="0" u="none" strike="noStrike" dirty="0">
                         <a:solidFill>
                           <a:srgbClr val="000000"/>
                         </a:solidFill>
@@ -18129,78 +18458,7 @@
                       <a:prstDash val="solid"/>
                     </a:lnBlToTr>
                     <a:solidFill>
-                      <a:schemeClr val="accent5">
-                        <a:lumMod val="60000"/>
-                        <a:lumOff val="40000"/>
-                      </a:schemeClr>
-                    </a:solidFill>
-                  </a:tcPr>
-                </a:tc>
-                <a:tc>
-                  <a:txBody>
-                    <a:bodyPr/>
-                    <a:lstStyle/>
-                    <a:p>
-                      <a:pPr algn="l" fontAlgn="b"/>
-                      <a:endParaRPr lang="en-US" sz="1900" b="0" i="0" u="none" strike="noStrike">
-                        <a:solidFill>
-                          <a:srgbClr val="000000"/>
-                        </a:solidFill>
-                        <a:effectLst/>
-                        <a:latin typeface="Calibri" panose="020F0502020204030204" pitchFamily="34" charset="0"/>
-                      </a:endParaRPr>
-                    </a:p>
-                  </a:txBody>
-                  <a:tcPr marL="13061" marR="13061" marT="13061" marB="0" anchor="b">
-                    <a:lnL w="12700" cap="flat" cmpd="sng" algn="ctr">
-                      <a:solidFill>
-                        <a:schemeClr val="tx1"/>
-                      </a:solidFill>
-                      <a:prstDash val="solid"/>
-                      <a:round/>
-                      <a:headEnd type="none" w="med" len="med"/>
-                      <a:tailEnd type="none" w="med" len="med"/>
-                    </a:lnL>
-                    <a:lnR w="12700" cap="flat" cmpd="sng" algn="ctr">
-                      <a:solidFill>
-                        <a:schemeClr val="tx1"/>
-                      </a:solidFill>
-                      <a:prstDash val="solid"/>
-                      <a:round/>
-                      <a:headEnd type="none" w="med" len="med"/>
-                      <a:tailEnd type="none" w="med" len="med"/>
-                    </a:lnR>
-                    <a:lnT w="12700" cap="flat" cmpd="sng" algn="ctr">
-                      <a:solidFill>
-                        <a:schemeClr val="tx1"/>
-                      </a:solidFill>
-                      <a:prstDash val="solid"/>
-                      <a:round/>
-                      <a:headEnd type="none" w="med" len="med"/>
-                      <a:tailEnd type="none" w="med" len="med"/>
-                    </a:lnT>
-                    <a:lnB w="12700" cap="flat" cmpd="sng" algn="ctr">
-                      <a:solidFill>
-                        <a:schemeClr val="tx1"/>
-                      </a:solidFill>
-                      <a:prstDash val="solid"/>
-                      <a:round/>
-                      <a:headEnd type="none" w="med" len="med"/>
-                      <a:tailEnd type="none" w="med" len="med"/>
-                    </a:lnB>
-                    <a:lnTlToBr w="12700" cmpd="sng">
-                      <a:noFill/>
-                      <a:prstDash val="solid"/>
-                    </a:lnTlToBr>
-                    <a:lnBlToTr w="12700" cmpd="sng">
-                      <a:noFill/>
-                      <a:prstDash val="solid"/>
-                    </a:lnBlToTr>
-                    <a:solidFill>
-                      <a:schemeClr val="accent5">
-                        <a:lumMod val="60000"/>
-                        <a:lumOff val="40000"/>
-                      </a:schemeClr>
+                      <a:schemeClr val="bg2"/>
                     </a:solidFill>
                   </a:tcPr>
                 </a:tc>
@@ -18265,10 +18523,7 @@
                       <a:prstDash val="solid"/>
                     </a:lnBlToTr>
                     <a:solidFill>
-                      <a:schemeClr val="accent5">
-                        <a:lumMod val="60000"/>
-                        <a:lumOff val="40000"/>
-                      </a:schemeClr>
+                      <a:schemeClr val="bg2"/>
                     </a:solidFill>
                   </a:tcPr>
                 </a:tc>
@@ -18333,10 +18588,72 @@
                       <a:prstDash val="solid"/>
                     </a:lnBlToTr>
                     <a:solidFill>
-                      <a:schemeClr val="accent5">
-                        <a:lumMod val="60000"/>
-                        <a:lumOff val="40000"/>
-                      </a:schemeClr>
+                      <a:schemeClr val="bg2"/>
+                    </a:solidFill>
+                  </a:tcPr>
+                </a:tc>
+                <a:tc>
+                  <a:txBody>
+                    <a:bodyPr/>
+                    <a:lstStyle/>
+                    <a:p>
+                      <a:pPr marL="0" algn="l" defTabSz="914400" rtl="0" eaLnBrk="1" fontAlgn="b" latinLnBrk="0" hangingPunct="1"/>
+                      <a:endParaRPr lang="en-US" sz="1900" b="0" i="0" u="none" strike="noStrike" dirty="0">
+                        <a:solidFill>
+                          <a:srgbClr val="000000"/>
+                        </a:solidFill>
+                        <a:effectLst/>
+                        <a:latin typeface="Calibri" panose="020F0502020204030204" pitchFamily="34" charset="0"/>
+                      </a:endParaRPr>
+                    </a:p>
+                  </a:txBody>
+                  <a:tcPr marL="13061" marR="13061" marT="13061" marB="0" anchor="b">
+                    <a:lnL w="12700" cap="flat" cmpd="sng" algn="ctr">
+                      <a:solidFill>
+                        <a:schemeClr val="tx1"/>
+                      </a:solidFill>
+                      <a:prstDash val="solid"/>
+                      <a:round/>
+                      <a:headEnd type="none" w="med" len="med"/>
+                      <a:tailEnd type="none" w="med" len="med"/>
+                    </a:lnL>
+                    <a:lnR w="12700" cap="flat" cmpd="sng" algn="ctr">
+                      <a:solidFill>
+                        <a:schemeClr val="tx1"/>
+                      </a:solidFill>
+                      <a:prstDash val="solid"/>
+                      <a:round/>
+                      <a:headEnd type="none" w="med" len="med"/>
+                      <a:tailEnd type="none" w="med" len="med"/>
+                    </a:lnR>
+                    <a:lnT w="12700" cap="flat" cmpd="sng" algn="ctr">
+                      <a:solidFill>
+                        <a:schemeClr val="tx1"/>
+                      </a:solidFill>
+                      <a:prstDash val="solid"/>
+                      <a:round/>
+                      <a:headEnd type="none" w="med" len="med"/>
+                      <a:tailEnd type="none" w="med" len="med"/>
+                    </a:lnT>
+                    <a:lnB w="12700" cap="flat" cmpd="sng" algn="ctr">
+                      <a:solidFill>
+                        <a:schemeClr val="tx1"/>
+                      </a:solidFill>
+                      <a:prstDash val="solid"/>
+                      <a:round/>
+                      <a:headEnd type="none" w="med" len="med"/>
+                      <a:tailEnd type="none" w="med" len="med"/>
+                    </a:lnB>
+                    <a:lnTlToBr w="12700" cmpd="sng">
+                      <a:noFill/>
+                      <a:prstDash val="solid"/>
+                    </a:lnTlToBr>
+                    <a:lnBlToTr w="12700" cmpd="sng">
+                      <a:noFill/>
+                      <a:prstDash val="solid"/>
+                    </a:lnBlToTr>
+                    <a:solidFill>
+                      <a:schemeClr val="bg2"/>
                     </a:solidFill>
                   </a:tcPr>
                 </a:tc>
@@ -18359,6 +18676,319 @@
   </p:cSld>
   <p:clrMapOvr>
     <a:masterClrMapping/>
+  </p:clrMapOvr>
+</p:sld>
+</file>
+
+<file path=ppt/slides/slide8.xml><?xml version="1.0" encoding="utf-8"?>
+<p:sld xmlns:a="http://schemas.openxmlformats.org/drawingml/2006/main" xmlns:r="http://schemas.openxmlformats.org/officeDocument/2006/relationships" xmlns:p="http://schemas.openxmlformats.org/presentationml/2006/main">
+  <p:cSld>
+    <p:bg>
+      <p:bgPr>
+        <a:solidFill>
+          <a:schemeClr val="bg2">
+            <a:tint val="95000"/>
+            <a:satMod val="170000"/>
+          </a:schemeClr>
+        </a:solidFill>
+        <a:effectLst/>
+      </p:bgPr>
+    </p:bg>
+    <p:spTree>
+      <p:nvGrpSpPr>
+        <p:cNvPr id="1" name=""/>
+        <p:cNvGrpSpPr/>
+        <p:nvPr/>
+      </p:nvGrpSpPr>
+      <p:grpSpPr>
+        <a:xfrm>
+          <a:off x="0" y="0"/>
+          <a:ext cx="0" cy="0"/>
+          <a:chOff x="0" y="0"/>
+          <a:chExt cx="0" cy="0"/>
+        </a:xfrm>
+      </p:grpSpPr>
+      <p:sp>
+        <p:nvSpPr>
+          <p:cNvPr id="13" name="Rectangle 12">
+            <a:extLst>
+              <a:ext uri="{FF2B5EF4-FFF2-40B4-BE49-F238E27FC236}">
+                <a16:creationId xmlns:a16="http://schemas.microsoft.com/office/drawing/2014/main" id="{E560C344-B70C-4892-A50B-18A14E39E843}"/>
+              </a:ext>
+              <a:ext uri="{C183D7F6-B498-43B3-948B-1728B52AA6E4}">
+                <adec:decorative xmlns:adec="http://schemas.microsoft.com/office/drawing/2017/decorative" val="1"/>
+              </a:ext>
+            </a:extLst>
+          </p:cNvPr>
+          <p:cNvSpPr>
+            <a:spLocks noGrp="1" noRot="1" noChangeAspect="1" noMove="1" noResize="1" noEditPoints="1" noAdjustHandles="1" noChangeArrowheads="1" noChangeShapeType="1" noTextEdit="1"/>
+          </p:cNvSpPr>
+          <p:nvPr>
+            <p:extLst>
+              <p:ext uri="{386F3935-93C4-4BCD-93E2-E3B085C9AB24}">
+                <p16:designElem xmlns:p16="http://schemas.microsoft.com/office/powerpoint/2015/main" val="1"/>
+              </p:ext>
+            </p:extLst>
+          </p:nvPr>
+        </p:nvSpPr>
+        <p:spPr>
+          <a:xfrm>
+            <a:off x="0" y="0"/>
+            <a:ext cx="1453478" cy="6858000"/>
+          </a:xfrm>
+          <a:prstGeom prst="rect">
+            <a:avLst/>
+          </a:prstGeom>
+          <a:solidFill>
+            <a:schemeClr val="accent2">
+              <a:lumMod val="60000"/>
+              <a:lumOff val="40000"/>
+              <a:alpha val="50000"/>
+            </a:schemeClr>
+          </a:solidFill>
+          <a:ln>
+            <a:noFill/>
+          </a:ln>
+        </p:spPr>
+        <p:style>
+          <a:lnRef idx="2">
+            <a:schemeClr val="accent1">
+              <a:shade val="50000"/>
+            </a:schemeClr>
+          </a:lnRef>
+          <a:fillRef idx="1">
+            <a:schemeClr val="accent1"/>
+          </a:fillRef>
+          <a:effectRef idx="0">
+            <a:schemeClr val="accent1"/>
+          </a:effectRef>
+          <a:fontRef idx="minor">
+            <a:schemeClr val="lt1"/>
+          </a:fontRef>
+        </p:style>
+        <p:txBody>
+          <a:bodyPr rtlCol="0" anchor="ctr"/>
+          <a:lstStyle/>
+          <a:p>
+            <a:pPr algn="ctr"/>
+            <a:endParaRPr lang="en-US"/>
+          </a:p>
+        </p:txBody>
+      </p:sp>
+      <p:sp>
+        <p:nvSpPr>
+          <p:cNvPr id="15" name="Rectangle 14">
+            <a:extLst>
+              <a:ext uri="{FF2B5EF4-FFF2-40B4-BE49-F238E27FC236}">
+                <a16:creationId xmlns:a16="http://schemas.microsoft.com/office/drawing/2014/main" id="{D353CA6F-E2A3-48F3-AD20-D80C44380069}"/>
+              </a:ext>
+              <a:ext uri="{C183D7F6-B498-43B3-948B-1728B52AA6E4}">
+                <adec:decorative xmlns:adec="http://schemas.microsoft.com/office/drawing/2017/decorative" val="1"/>
+              </a:ext>
+            </a:extLst>
+          </p:cNvPr>
+          <p:cNvSpPr>
+            <a:spLocks noGrp="1" noRot="1" noChangeAspect="1" noMove="1" noResize="1" noEditPoints="1" noAdjustHandles="1" noChangeArrowheads="1" noChangeShapeType="1" noTextEdit="1"/>
+          </p:cNvSpPr>
+          <p:nvPr>
+            <p:extLst>
+              <p:ext uri="{386F3935-93C4-4BCD-93E2-E3B085C9AB24}">
+                <p16:designElem xmlns:p16="http://schemas.microsoft.com/office/powerpoint/2015/main" val="1"/>
+              </p:ext>
+            </p:extLst>
+          </p:nvPr>
+        </p:nvSpPr>
+        <p:spPr>
+          <a:xfrm>
+            <a:off x="1453477" y="0"/>
+            <a:ext cx="6676389" cy="6858000"/>
+          </a:xfrm>
+          <a:prstGeom prst="rect">
+            <a:avLst/>
+          </a:prstGeom>
+          <a:solidFill>
+            <a:schemeClr val="accent2"/>
+          </a:solidFill>
+          <a:ln>
+            <a:noFill/>
+          </a:ln>
+        </p:spPr>
+        <p:style>
+          <a:lnRef idx="2">
+            <a:schemeClr val="accent1">
+              <a:shade val="50000"/>
+            </a:schemeClr>
+          </a:lnRef>
+          <a:fillRef idx="1">
+            <a:schemeClr val="accent1"/>
+          </a:fillRef>
+          <a:effectRef idx="0">
+            <a:schemeClr val="accent1"/>
+          </a:effectRef>
+          <a:fontRef idx="minor">
+            <a:schemeClr val="lt1"/>
+          </a:fontRef>
+        </p:style>
+        <p:txBody>
+          <a:bodyPr rtlCol="0" anchor="ctr"/>
+          <a:lstStyle/>
+          <a:p>
+            <a:pPr algn="ctr"/>
+            <a:endParaRPr lang="en-US"/>
+          </a:p>
+        </p:txBody>
+      </p:sp>
+      <p:sp>
+        <p:nvSpPr>
+          <p:cNvPr id="2" name="Title 1">
+            <a:extLst>
+              <a:ext uri="{FF2B5EF4-FFF2-40B4-BE49-F238E27FC236}">
+                <a16:creationId xmlns:a16="http://schemas.microsoft.com/office/drawing/2014/main" id="{5225641B-8924-F940-93A1-75F05A023152}"/>
+              </a:ext>
+            </a:extLst>
+          </p:cNvPr>
+          <p:cNvSpPr>
+            <a:spLocks noGrp="1"/>
+          </p:cNvSpPr>
+          <p:nvPr>
+            <p:ph type="title"/>
+          </p:nvPr>
+        </p:nvSpPr>
+        <p:spPr>
+          <a:xfrm>
+            <a:off x="2072820" y="643466"/>
+            <a:ext cx="5437703" cy="1152127"/>
+          </a:xfrm>
+          <a:noFill/>
+          <a:ln>
+            <a:solidFill>
+              <a:srgbClr val="FFFFFF"/>
+            </a:solidFill>
+          </a:ln>
+        </p:spPr>
+        <p:txBody>
+          <a:bodyPr>
+            <a:normAutofit/>
+          </a:bodyPr>
+          <a:lstStyle/>
+          <a:p>
+            <a:r>
+              <a:rPr lang="en-US">
+                <a:solidFill>
+                  <a:srgbClr val="FFFFFF"/>
+                </a:solidFill>
+              </a:rPr>
+              <a:t>To do </a:t>
+            </a:r>
+          </a:p>
+        </p:txBody>
+      </p:sp>
+      <p:sp>
+        <p:nvSpPr>
+          <p:cNvPr id="3" name="Content Placeholder 2">
+            <a:extLst>
+              <a:ext uri="{FF2B5EF4-FFF2-40B4-BE49-F238E27FC236}">
+                <a16:creationId xmlns:a16="http://schemas.microsoft.com/office/drawing/2014/main" id="{94264F88-A93A-4442-8415-46455E56D2CC}"/>
+              </a:ext>
+            </a:extLst>
+          </p:cNvPr>
+          <p:cNvSpPr>
+            <a:spLocks noGrp="1"/>
+          </p:cNvSpPr>
+          <p:nvPr>
+            <p:ph idx="1"/>
+          </p:nvPr>
+        </p:nvSpPr>
+        <p:spPr>
+          <a:xfrm>
+            <a:off x="2072820" y="2170772"/>
+            <a:ext cx="5437697" cy="3569256"/>
+          </a:xfrm>
+        </p:spPr>
+        <p:txBody>
+          <a:bodyPr>
+            <a:normAutofit/>
+          </a:bodyPr>
+          <a:lstStyle/>
+          <a:p>
+            <a:pPr>
+              <a:buClr>
+                <a:schemeClr val="accent6"/>
+              </a:buClr>
+            </a:pPr>
+            <a:r>
+              <a:rPr lang="en-US" dirty="0" err="1">
+                <a:solidFill>
+                  <a:srgbClr val="FFFFFF"/>
+                </a:solidFill>
+              </a:rPr>
+              <a:t>Vorfip</a:t>
+            </a:r>
+            <a:r>
+              <a:rPr lang="en-US" dirty="0">
+                <a:solidFill>
+                  <a:srgbClr val="FFFFFF"/>
+                </a:solidFill>
+              </a:rPr>
+              <a:t> analyses and ROC/AUC </a:t>
+            </a:r>
+          </a:p>
+          <a:p>
+            <a:pPr>
+              <a:buClr>
+                <a:schemeClr val="accent6"/>
+              </a:buClr>
+            </a:pPr>
+            <a:r>
+              <a:rPr lang="en-US" dirty="0">
+                <a:solidFill>
+                  <a:srgbClr val="FFFFFF"/>
+                </a:solidFill>
+              </a:rPr>
+              <a:t>Star analyses of Meta-Dpi and RF</a:t>
+            </a:r>
+          </a:p>
+          <a:p>
+            <a:pPr marL="0" indent="0">
+              <a:buClr>
+                <a:schemeClr val="accent6"/>
+              </a:buClr>
+              <a:buNone/>
+            </a:pPr>
+            <a:r>
+              <a:rPr lang="en-US" dirty="0">
+                <a:solidFill>
+                  <a:srgbClr val="FFFFFF"/>
+                </a:solidFill>
+              </a:rPr>
+              <a:t> </a:t>
+            </a:r>
+          </a:p>
+          <a:p>
+            <a:endParaRPr lang="en-US" dirty="0">
+              <a:solidFill>
+                <a:srgbClr val="FFFFFF"/>
+              </a:solidFill>
+            </a:endParaRPr>
+          </a:p>
+          <a:p>
+            <a:endParaRPr lang="en-US" dirty="0">
+              <a:solidFill>
+                <a:srgbClr val="FFFFFF"/>
+              </a:solidFill>
+            </a:endParaRPr>
+          </a:p>
+        </p:txBody>
+      </p:sp>
+    </p:spTree>
+    <p:extLst>
+      <p:ext uri="{BB962C8B-B14F-4D97-AF65-F5344CB8AC3E}">
+        <p14:creationId xmlns:p14="http://schemas.microsoft.com/office/powerpoint/2010/main" val="1992804951"/>
+      </p:ext>
+    </p:extLst>
+  </p:cSld>
+  <p:clrMapOvr>
+    <a:overrideClrMapping bg1="dk1" tx1="lt1" bg2="dk2" tx2="lt2" accent1="accent1" accent2="accent2" accent3="accent3" accent4="accent4" accent5="accent5" accent6="accent6" hlink="hlink" folHlink="folHlink"/>
   </p:clrMapOvr>
 </p:sld>
 </file>
